--- a/testcases/Bazsalya Andras 202108 Junior automatizált tesztelő szakirány – vizsgaremek védés.pptx
+++ b/testcases/Bazsalya Andras 202108 Junior automatizált tesztelő szakirány – vizsgaremek védés.pptx
@@ -2,7 +2,7 @@
 <file path=ppt/presentation.xml><?xml version="1.0" encoding="utf-8"?>
 <p:presentation xmlns:a="http://schemas.openxmlformats.org/drawingml/2006/main" xmlns:r="http://schemas.openxmlformats.org/officeDocument/2006/relationships" xmlns:p="http://schemas.openxmlformats.org/presentationml/2006/main" showSpecialPlsOnTitleSld="0" saveSubsetFonts="1">
   <p:sldMasterIdLst>
-    <p:sldMasterId id="2147483726" r:id="rId1"/>
+    <p:sldMasterId id="2147483738" r:id="rId1"/>
   </p:sldMasterIdLst>
   <p:notesMasterIdLst>
     <p:notesMasterId r:id="rId7"/>
@@ -113,7 +113,18 @@
   </p:defaultTextStyle>
   <p:extLst>
     <p:ext uri="{EFAFB233-063F-42B5-8137-9DF3F51BA10A}">
-      <p15:sldGuideLst xmlns:p15="http://schemas.microsoft.com/office/powerpoint/2012/main"/>
+      <p15:sldGuideLst xmlns:p15="http://schemas.microsoft.com/office/powerpoint/2012/main">
+        <p15:guide id="1" orient="horz" pos="2160" userDrawn="1">
+          <p15:clr>
+            <a:srgbClr val="A4A3A4"/>
+          </p15:clr>
+        </p15:guide>
+        <p15:guide id="2" pos="3840" userDrawn="1">
+          <p15:clr>
+            <a:srgbClr val="A4A3A4"/>
+          </p15:clr>
+        </p15:guide>
+      </p15:sldGuideLst>
     </p:ext>
   </p:extLst>
 </p:presentation>
@@ -201,7 +212,7 @@
           <a:p>
             <a:fld id="{C792814E-D0CD-479D-9426-4C1FF0F48E33}" type="datetimeFigureOut">
               <a:rPr lang="en-GB" smtClean="0"/>
-              <a:t>19/08/2021</a:t>
+              <a:t>06/09/2021</a:t>
             </a:fld>
             <a:endParaRPr lang="en-GB"/>
           </a:p>
@@ -471,7 +482,7 @@
 
 <file path=ppt/slideLayouts/slideLayout1.xml><?xml version="1.0" encoding="utf-8"?>
 <p:sldLayout xmlns:a="http://schemas.openxmlformats.org/drawingml/2006/main" xmlns:r="http://schemas.openxmlformats.org/officeDocument/2006/relationships" xmlns:p="http://schemas.openxmlformats.org/presentationml/2006/main" type="title" preserve="1">
-  <p:cSld name="Title Slide">
+  <p:cSld name="Címdia">
     <p:spTree>
       <p:nvGrpSpPr>
         <p:cNvPr id="1" name=""/>
@@ -503,7 +514,7 @@
             <a:avLst/>
           </a:prstGeom>
           <a:solidFill>
-            <a:schemeClr val="bg1"/>
+            <a:schemeClr val="accent1"/>
           </a:solidFill>
           <a:ln w="12700">
             <a:solidFill>
@@ -553,32 +564,17 @@
               <a:lnSpc>
                 <a:spcPct val="85000"/>
               </a:lnSpc>
-              <a:defRPr kumimoji="0" lang="en-US" sz="7200" b="1" i="0" u="none" strike="noStrike" kern="1200" cap="all" spc="0" normalizeH="0" baseline="0" dirty="0">
-                <a:ln w="15875">
-                  <a:solidFill>
-                    <a:sysClr val="window" lastClr="FFFFFF"/>
-                  </a:solidFill>
-                </a:ln>
+              <a:defRPr sz="7200" b="1" cap="all" baseline="0">
                 <a:solidFill>
-                  <a:srgbClr val="DF5327"/>
+                  <a:srgbClr val="FFFFFF"/>
                 </a:solidFill>
-                <a:effectLst>
-                  <a:outerShdw dist="38100" dir="2700000" algn="tl" rotWithShape="0">
-                    <a:srgbClr val="DF5327"/>
-                  </a:outerShdw>
-                </a:effectLst>
-                <a:uLnTx/>
-                <a:uFillTx/>
-                <a:latin typeface="+mj-lt"/>
-                <a:ea typeface="+mn-ea"/>
-                <a:cs typeface="+mn-cs"/>
               </a:defRPr>
             </a:lvl1pPr>
           </a:lstStyle>
           <a:p>
             <a:r>
-              <a:rPr lang="en-US"/>
-              <a:t>Click to edit Master title style</a:t>
+              <a:rPr lang="hu-HU"/>
+              <a:t>Mintacím szerkesztése</a:t>
             </a:r>
             <a:endParaRPr lang="en-US" dirty="0"/>
           </a:p>
@@ -609,7 +605,7 @@
               <a:buNone/>
               <a:defRPr sz="2200">
                 <a:solidFill>
-                  <a:schemeClr val="accent1"/>
+                  <a:srgbClr val="FFFFFF"/>
                 </a:solidFill>
               </a:defRPr>
             </a:lvl1pPr>
@@ -648,8 +644,8 @@
           </a:lstStyle>
           <a:p>
             <a:r>
-              <a:rPr lang="en-US"/>
-              <a:t>Click to edit Master subtitle style</a:t>
+              <a:rPr lang="hu-HU"/>
+              <a:t>Kattintson ide az alcím mintájának szerkesztéséhez</a:t>
             </a:r>
             <a:endParaRPr lang="en-US" dirty="0"/>
           </a:p>
@@ -672,15 +668,15 @@
             <a:lvl1pPr>
               <a:defRPr>
                 <a:solidFill>
-                  <a:schemeClr val="accent1"/>
+                  <a:srgbClr val="FFFFFF"/>
                 </a:solidFill>
               </a:defRPr>
             </a:lvl1pPr>
           </a:lstStyle>
           <a:p>
-            <a:fld id="{BD7D2224-229C-41B6-897A-12B3261B29C3}" type="datetime1">
+            <a:fld id="{1369FA49-4D0F-4506-AAEF-46CE7469542F}" type="datetime1">
               <a:rPr lang="en-GB" smtClean="0"/>
-              <a:t>19/08/2021</a:t>
+              <a:t>06/09/2021</a:t>
             </a:fld>
             <a:endParaRPr lang="en-GB"/>
           </a:p>
@@ -703,7 +699,7 @@
             <a:lvl1pPr>
               <a:defRPr>
                 <a:solidFill>
-                  <a:schemeClr val="accent1"/>
+                  <a:srgbClr val="FFFFFF"/>
                 </a:solidFill>
               </a:defRPr>
             </a:lvl1pPr>
@@ -733,7 +729,7 @@
             <a:lvl1pPr>
               <a:defRPr>
                 <a:solidFill>
-                  <a:schemeClr val="accent1"/>
+                  <a:srgbClr val="FFFFFF"/>
                 </a:solidFill>
               </a:defRPr>
             </a:lvl1pPr>
@@ -763,7 +759,7 @@
           </a:prstGeom>
           <a:ln>
             <a:solidFill>
-              <a:schemeClr val="accent1"/>
+              <a:srgbClr val="FFFFFF"/>
             </a:solidFill>
           </a:ln>
         </p:spPr>
@@ -785,19 +781,32 @@
     </p:spTree>
     <p:extLst>
       <p:ext uri="{BB962C8B-B14F-4D97-AF65-F5344CB8AC3E}">
-        <p14:creationId xmlns:p14="http://schemas.microsoft.com/office/powerpoint/2010/main" val="568335827"/>
+        <p14:creationId xmlns:p14="http://schemas.microsoft.com/office/powerpoint/2010/main" val="2716005702"/>
       </p:ext>
     </p:extLst>
   </p:cSld>
   <p:clrMapOvr>
     <a:masterClrMapping/>
   </p:clrMapOvr>
+  <mc:AlternateContent xmlns:mc="http://schemas.openxmlformats.org/markup-compatibility/2006">
+    <mc:Choice xmlns:p14="http://schemas.microsoft.com/office/powerpoint/2010/main" Requires="p14">
+      <p:transition spd="slow" p14:dur="3400">
+        <p14:reveal/>
+      </p:transition>
+    </mc:Choice>
+    <mc:Fallback>
+      <p:transition spd="slow">
+        <p:fade/>
+      </p:transition>
+    </mc:Fallback>
+  </mc:AlternateContent>
+  <p:hf hdr="0" dt="0"/>
 </p:sldLayout>
 </file>
 
 <file path=ppt/slideLayouts/slideLayout10.xml><?xml version="1.0" encoding="utf-8"?>
 <p:sldLayout xmlns:a="http://schemas.openxmlformats.org/drawingml/2006/main" xmlns:r="http://schemas.openxmlformats.org/officeDocument/2006/relationships" xmlns:p="http://schemas.openxmlformats.org/presentationml/2006/main" type="vertTx" preserve="1">
-  <p:cSld name="Title and Vertical Text">
+  <p:cSld name="Cím és függőleges szöveg">
     <p:spTree>
       <p:nvGrpSpPr>
         <p:cNvPr id="1" name=""/>
@@ -828,8 +837,8 @@
           <a:lstStyle/>
           <a:p>
             <a:r>
-              <a:rPr lang="en-US"/>
-              <a:t>Click to edit Master title style</a:t>
+              <a:rPr lang="hu-HU"/>
+              <a:t>Mintacím szerkesztése</a:t>
             </a:r>
             <a:endParaRPr lang="en-US" dirty="0"/>
           </a:p>
@@ -852,36 +861,36 @@
           <a:p>
             <a:pPr lvl="0"/>
             <a:r>
-              <a:rPr lang="en-US"/>
-              <a:t>Click to edit Master text styles</a:t>
+              <a:rPr lang="hu-HU"/>
+              <a:t>Mintaszöveg szerkesztése</a:t>
             </a:r>
           </a:p>
           <a:p>
             <a:pPr lvl="1"/>
             <a:r>
-              <a:rPr lang="en-US"/>
-              <a:t>Second level</a:t>
+              <a:rPr lang="hu-HU"/>
+              <a:t>Második szint</a:t>
             </a:r>
           </a:p>
           <a:p>
             <a:pPr lvl="2"/>
             <a:r>
-              <a:rPr lang="en-US"/>
-              <a:t>Third level</a:t>
+              <a:rPr lang="hu-HU"/>
+              <a:t>Harmadik szint</a:t>
             </a:r>
           </a:p>
           <a:p>
             <a:pPr lvl="3"/>
             <a:r>
-              <a:rPr lang="en-US"/>
-              <a:t>Fourth level</a:t>
+              <a:rPr lang="hu-HU"/>
+              <a:t>Negyedik szint</a:t>
             </a:r>
           </a:p>
           <a:p>
             <a:pPr lvl="4"/>
             <a:r>
-              <a:rPr lang="en-US"/>
-              <a:t>Fifth level</a:t>
+              <a:rPr lang="hu-HU"/>
+              <a:t>Ötödik szint</a:t>
             </a:r>
             <a:endParaRPr lang="en-US" dirty="0"/>
           </a:p>
@@ -902,9 +911,9 @@
           <a:bodyPr/>
           <a:lstStyle/>
           <a:p>
-            <a:fld id="{D1F86B5F-793F-4FF1-B432-732ED79BD22C}" type="datetime1">
+            <a:fld id="{1369FA49-4D0F-4506-AAEF-46CE7469542F}" type="datetime1">
               <a:rPr lang="en-GB" smtClean="0"/>
-              <a:t>19/08/2021</a:t>
+              <a:t>06/09/2021</a:t>
             </a:fld>
             <a:endParaRPr lang="en-GB"/>
           </a:p>
@@ -958,19 +967,32 @@
     </p:spTree>
     <p:extLst>
       <p:ext uri="{BB962C8B-B14F-4D97-AF65-F5344CB8AC3E}">
-        <p14:creationId xmlns:p14="http://schemas.microsoft.com/office/powerpoint/2010/main" val="1187448396"/>
+        <p14:creationId xmlns:p14="http://schemas.microsoft.com/office/powerpoint/2010/main" val="1537752803"/>
       </p:ext>
     </p:extLst>
   </p:cSld>
   <p:clrMapOvr>
     <a:masterClrMapping/>
   </p:clrMapOvr>
+  <mc:AlternateContent xmlns:mc="http://schemas.openxmlformats.org/markup-compatibility/2006">
+    <mc:Choice xmlns:p14="http://schemas.microsoft.com/office/powerpoint/2010/main" Requires="p14">
+      <p:transition spd="slow" p14:dur="3400">
+        <p14:reveal/>
+      </p:transition>
+    </mc:Choice>
+    <mc:Fallback>
+      <p:transition spd="slow">
+        <p:fade/>
+      </p:transition>
+    </mc:Fallback>
+  </mc:AlternateContent>
+  <p:hf hdr="0" dt="0"/>
 </p:sldLayout>
 </file>
 
 <file path=ppt/slideLayouts/slideLayout11.xml><?xml version="1.0" encoding="utf-8"?>
 <p:sldLayout xmlns:a="http://schemas.openxmlformats.org/drawingml/2006/main" xmlns:r="http://schemas.openxmlformats.org/officeDocument/2006/relationships" xmlns:p="http://schemas.openxmlformats.org/presentationml/2006/main" type="vertTitleAndTx" preserve="1">
-  <p:cSld name="Vertical Title and Text">
+  <p:cSld name="Függőleges cím és szöveg">
     <p:spTree>
       <p:nvGrpSpPr>
         <p:cNvPr id="1" name=""/>
@@ -1006,8 +1028,8 @@
           <a:lstStyle/>
           <a:p>
             <a:r>
-              <a:rPr lang="en-US"/>
-              <a:t>Click to edit Master title style</a:t>
+              <a:rPr lang="hu-HU"/>
+              <a:t>Mintacím szerkesztése</a:t>
             </a:r>
             <a:endParaRPr lang="en-US" dirty="0"/>
           </a:p>
@@ -1035,36 +1057,36 @@
           <a:p>
             <a:pPr lvl="0"/>
             <a:r>
-              <a:rPr lang="en-US"/>
-              <a:t>Click to edit Master text styles</a:t>
+              <a:rPr lang="hu-HU"/>
+              <a:t>Mintaszöveg szerkesztése</a:t>
             </a:r>
           </a:p>
           <a:p>
             <a:pPr lvl="1"/>
             <a:r>
-              <a:rPr lang="en-US"/>
-              <a:t>Second level</a:t>
+              <a:rPr lang="hu-HU"/>
+              <a:t>Második szint</a:t>
             </a:r>
           </a:p>
           <a:p>
             <a:pPr lvl="2"/>
             <a:r>
-              <a:rPr lang="en-US"/>
-              <a:t>Third level</a:t>
+              <a:rPr lang="hu-HU"/>
+              <a:t>Harmadik szint</a:t>
             </a:r>
           </a:p>
           <a:p>
             <a:pPr lvl="3"/>
             <a:r>
-              <a:rPr lang="en-US"/>
-              <a:t>Fourth level</a:t>
+              <a:rPr lang="hu-HU"/>
+              <a:t>Negyedik szint</a:t>
             </a:r>
           </a:p>
           <a:p>
             <a:pPr lvl="4"/>
             <a:r>
-              <a:rPr lang="en-US"/>
-              <a:t>Fifth level</a:t>
+              <a:rPr lang="hu-HU"/>
+              <a:t>Ötödik szint</a:t>
             </a:r>
             <a:endParaRPr lang="en-US" dirty="0"/>
           </a:p>
@@ -1085,9 +1107,9 @@
           <a:bodyPr/>
           <a:lstStyle/>
           <a:p>
-            <a:fld id="{8DAD26FE-68A6-44F3-910B-5929E6AF0570}" type="datetime1">
+            <a:fld id="{1369FA49-4D0F-4506-AAEF-46CE7469542F}" type="datetime1">
               <a:rPr lang="en-GB" smtClean="0"/>
-              <a:t>19/08/2021</a:t>
+              <a:t>06/09/2021</a:t>
             </a:fld>
             <a:endParaRPr lang="en-GB"/>
           </a:p>
@@ -1141,19 +1163,32 @@
     </p:spTree>
     <p:extLst>
       <p:ext uri="{BB962C8B-B14F-4D97-AF65-F5344CB8AC3E}">
-        <p14:creationId xmlns:p14="http://schemas.microsoft.com/office/powerpoint/2010/main" val="3913290235"/>
+        <p14:creationId xmlns:p14="http://schemas.microsoft.com/office/powerpoint/2010/main" val="616999226"/>
       </p:ext>
     </p:extLst>
   </p:cSld>
   <p:clrMapOvr>
     <a:masterClrMapping/>
   </p:clrMapOvr>
+  <mc:AlternateContent xmlns:mc="http://schemas.openxmlformats.org/markup-compatibility/2006">
+    <mc:Choice xmlns:p14="http://schemas.microsoft.com/office/powerpoint/2010/main" Requires="p14">
+      <p:transition spd="slow" p14:dur="3400">
+        <p14:reveal/>
+      </p:transition>
+    </mc:Choice>
+    <mc:Fallback>
+      <p:transition spd="slow">
+        <p:fade/>
+      </p:transition>
+    </mc:Fallback>
+  </mc:AlternateContent>
+  <p:hf hdr="0" dt="0"/>
 </p:sldLayout>
 </file>
 
 <file path=ppt/slideLayouts/slideLayout2.xml><?xml version="1.0" encoding="utf-8"?>
 <p:sldLayout xmlns:a="http://schemas.openxmlformats.org/drawingml/2006/main" xmlns:r="http://schemas.openxmlformats.org/officeDocument/2006/relationships" xmlns:p="http://schemas.openxmlformats.org/presentationml/2006/main" type="obj" preserve="1">
-  <p:cSld name="Title and Content">
+  <p:cSld name="Cím és tartalom">
     <p:spTree>
       <p:nvGrpSpPr>
         <p:cNvPr id="1" name=""/>
@@ -1184,8 +1219,8 @@
           <a:lstStyle/>
           <a:p>
             <a:r>
-              <a:rPr lang="en-US"/>
-              <a:t>Click to edit Master title style</a:t>
+              <a:rPr lang="hu-HU"/>
+              <a:t>Mintacím szerkesztése</a:t>
             </a:r>
             <a:endParaRPr lang="en-US" dirty="0"/>
           </a:p>
@@ -1208,36 +1243,36 @@
           <a:p>
             <a:pPr lvl="0"/>
             <a:r>
-              <a:rPr lang="en-US"/>
-              <a:t>Click to edit Master text styles</a:t>
+              <a:rPr lang="hu-HU"/>
+              <a:t>Mintaszöveg szerkesztése</a:t>
             </a:r>
           </a:p>
           <a:p>
             <a:pPr lvl="1"/>
             <a:r>
-              <a:rPr lang="en-US"/>
-              <a:t>Second level</a:t>
+              <a:rPr lang="hu-HU"/>
+              <a:t>Második szint</a:t>
             </a:r>
           </a:p>
           <a:p>
             <a:pPr lvl="2"/>
             <a:r>
-              <a:rPr lang="en-US"/>
-              <a:t>Third level</a:t>
+              <a:rPr lang="hu-HU"/>
+              <a:t>Harmadik szint</a:t>
             </a:r>
           </a:p>
           <a:p>
             <a:pPr lvl="3"/>
             <a:r>
-              <a:rPr lang="en-US"/>
-              <a:t>Fourth level</a:t>
+              <a:rPr lang="hu-HU"/>
+              <a:t>Negyedik szint</a:t>
             </a:r>
           </a:p>
           <a:p>
             <a:pPr lvl="4"/>
             <a:r>
-              <a:rPr lang="en-US"/>
-              <a:t>Fifth level</a:t>
+              <a:rPr lang="hu-HU"/>
+              <a:t>Ötödik szint</a:t>
             </a:r>
             <a:endParaRPr lang="en-US" dirty="0"/>
           </a:p>
@@ -1258,9 +1293,9 @@
           <a:bodyPr/>
           <a:lstStyle/>
           <a:p>
-            <a:fld id="{EA2381AA-9D19-4C9E-9529-EF4DDB58001B}" type="datetime1">
+            <a:fld id="{1369FA49-4D0F-4506-AAEF-46CE7469542F}" type="datetime1">
               <a:rPr lang="en-GB" smtClean="0"/>
-              <a:t>19/08/2021</a:t>
+              <a:t>06/09/2021</a:t>
             </a:fld>
             <a:endParaRPr lang="en-GB"/>
           </a:p>
@@ -1314,19 +1349,32 @@
     </p:spTree>
     <p:extLst>
       <p:ext uri="{BB962C8B-B14F-4D97-AF65-F5344CB8AC3E}">
-        <p14:creationId xmlns:p14="http://schemas.microsoft.com/office/powerpoint/2010/main" val="2461940626"/>
+        <p14:creationId xmlns:p14="http://schemas.microsoft.com/office/powerpoint/2010/main" val="1479057263"/>
       </p:ext>
     </p:extLst>
   </p:cSld>
   <p:clrMapOvr>
     <a:masterClrMapping/>
   </p:clrMapOvr>
+  <mc:AlternateContent xmlns:mc="http://schemas.openxmlformats.org/markup-compatibility/2006">
+    <mc:Choice xmlns:p14="http://schemas.microsoft.com/office/powerpoint/2010/main" Requires="p14">
+      <p:transition spd="slow" p14:dur="3400">
+        <p14:reveal/>
+      </p:transition>
+    </mc:Choice>
+    <mc:Fallback>
+      <p:transition spd="slow">
+        <p:fade/>
+      </p:transition>
+    </mc:Fallback>
+  </mc:AlternateContent>
+  <p:hf hdr="0" dt="0"/>
 </p:sldLayout>
 </file>
 
 <file path=ppt/slideLayouts/slideLayout3.xml><?xml version="1.0" encoding="utf-8"?>
 <p:sldLayout xmlns:a="http://schemas.openxmlformats.org/drawingml/2006/main" xmlns:r="http://schemas.openxmlformats.org/officeDocument/2006/relationships" xmlns:p="http://schemas.openxmlformats.org/presentationml/2006/main" type="secHead" preserve="1">
-  <p:cSld name="Section Header">
+  <p:cSld name="Szakaszfejléc">
     <p:spTree>
       <p:nvGrpSpPr>
         <p:cNvPr id="1" name=""/>
@@ -1362,40 +1410,17 @@
             <a:noAutofit/>
           </a:bodyPr>
           <a:lstStyle>
-            <a:lvl1pPr marL="0" algn="ctr" defTabSz="914400" rtl="0" eaLnBrk="1" latinLnBrk="0" hangingPunct="1">
+            <a:lvl1pPr algn="ctr">
               <a:lnSpc>
                 <a:spcPct val="85000"/>
               </a:lnSpc>
-              <a:spcBef>
-                <a:spcPct val="0"/>
-              </a:spcBef>
-              <a:buNone/>
-              <a:defRPr kumimoji="0" lang="en-US" sz="7200" b="1" i="0" u="none" strike="noStrike" kern="1200" cap="all" spc="0" normalizeH="0" baseline="0" dirty="0">
-                <a:ln w="15875">
-                  <a:solidFill>
-                    <a:sysClr val="window" lastClr="FFFFFF"/>
-                  </a:solidFill>
-                </a:ln>
-                <a:solidFill>
-                  <a:srgbClr val="DF5327"/>
-                </a:solidFill>
-                <a:effectLst>
-                  <a:outerShdw dist="38100" dir="2700000" algn="tl" rotWithShape="0">
-                    <a:srgbClr val="DF5327"/>
-                  </a:outerShdw>
-                </a:effectLst>
-                <a:uLnTx/>
-                <a:uFillTx/>
-                <a:latin typeface="Corbel" pitchFamily="34" charset="0"/>
-                <a:ea typeface="+mn-ea"/>
-                <a:cs typeface="+mn-cs"/>
-              </a:defRPr>
+              <a:defRPr sz="7200" b="0" cap="all" baseline="0"/>
             </a:lvl1pPr>
           </a:lstStyle>
           <a:p>
             <a:r>
-              <a:rPr lang="en-US"/>
-              <a:t>Click to edit Master title style</a:t>
+              <a:rPr lang="hu-HU"/>
+              <a:t>Mintacím szerkesztése</a:t>
             </a:r>
             <a:endParaRPr lang="en-US" dirty="0"/>
           </a:p>
@@ -1514,8 +1539,8 @@
           <a:p>
             <a:pPr lvl="0"/>
             <a:r>
-              <a:rPr lang="en-US"/>
-              <a:t>Click to edit Master text styles</a:t>
+              <a:rPr lang="hu-HU"/>
+              <a:t>Mintaszöveg szerkesztése</a:t>
             </a:r>
           </a:p>
         </p:txBody>
@@ -1535,9 +1560,9 @@
           <a:bodyPr/>
           <a:lstStyle/>
           <a:p>
-            <a:fld id="{470141D7-4287-467A-8620-1F95E800DA6D}" type="datetime1">
+            <a:fld id="{1369FA49-4D0F-4506-AAEF-46CE7469542F}" type="datetime1">
               <a:rPr lang="en-GB" smtClean="0"/>
-              <a:t>19/08/2021</a:t>
+              <a:t>06/09/2021</a:t>
             </a:fld>
             <a:endParaRPr lang="en-GB"/>
           </a:p>
@@ -1626,19 +1651,32 @@
     </p:spTree>
     <p:extLst>
       <p:ext uri="{BB962C8B-B14F-4D97-AF65-F5344CB8AC3E}">
-        <p14:creationId xmlns:p14="http://schemas.microsoft.com/office/powerpoint/2010/main" val="769649932"/>
+        <p14:creationId xmlns:p14="http://schemas.microsoft.com/office/powerpoint/2010/main" val="3988308122"/>
       </p:ext>
     </p:extLst>
   </p:cSld>
   <p:clrMapOvr>
     <a:masterClrMapping/>
   </p:clrMapOvr>
+  <mc:AlternateContent xmlns:mc="http://schemas.openxmlformats.org/markup-compatibility/2006">
+    <mc:Choice xmlns:p14="http://schemas.microsoft.com/office/powerpoint/2010/main" Requires="p14">
+      <p:transition spd="slow" p14:dur="3400">
+        <p14:reveal/>
+      </p:transition>
+    </mc:Choice>
+    <mc:Fallback>
+      <p:transition spd="slow">
+        <p:fade/>
+      </p:transition>
+    </mc:Fallback>
+  </mc:AlternateContent>
+  <p:hf hdr="0" dt="0"/>
 </p:sldLayout>
 </file>
 
 <file path=ppt/slideLayouts/slideLayout4.xml><?xml version="1.0" encoding="utf-8"?>
 <p:sldLayout xmlns:a="http://schemas.openxmlformats.org/drawingml/2006/main" xmlns:r="http://schemas.openxmlformats.org/officeDocument/2006/relationships" xmlns:p="http://schemas.openxmlformats.org/presentationml/2006/main" type="twoObj" preserve="1">
-  <p:cSld name="Two Content">
+  <p:cSld name="2 tartalomrész">
     <p:spTree>
       <p:nvGrpSpPr>
         <p:cNvPr id="1" name=""/>
@@ -1669,8 +1707,8 @@
           <a:lstStyle/>
           <a:p>
             <a:r>
-              <a:rPr lang="en-US"/>
-              <a:t>Click to edit Master title style</a:t>
+              <a:rPr lang="hu-HU"/>
+              <a:t>Mintacím szerkesztése</a:t>
             </a:r>
             <a:endParaRPr lang="en-US" dirty="0"/>
           </a:p>
@@ -1726,36 +1764,36 @@
           <a:p>
             <a:pPr lvl="0"/>
             <a:r>
-              <a:rPr lang="en-US"/>
-              <a:t>Click to edit Master text styles</a:t>
+              <a:rPr lang="hu-HU"/>
+              <a:t>Mintaszöveg szerkesztése</a:t>
             </a:r>
           </a:p>
           <a:p>
             <a:pPr lvl="1"/>
             <a:r>
-              <a:rPr lang="en-US"/>
-              <a:t>Second level</a:t>
+              <a:rPr lang="hu-HU"/>
+              <a:t>Második szint</a:t>
             </a:r>
           </a:p>
           <a:p>
             <a:pPr lvl="2"/>
             <a:r>
-              <a:rPr lang="en-US"/>
-              <a:t>Third level</a:t>
+              <a:rPr lang="hu-HU"/>
+              <a:t>Harmadik szint</a:t>
             </a:r>
           </a:p>
           <a:p>
             <a:pPr lvl="3"/>
             <a:r>
-              <a:rPr lang="en-US"/>
-              <a:t>Fourth level</a:t>
+              <a:rPr lang="hu-HU"/>
+              <a:t>Negyedik szint</a:t>
             </a:r>
           </a:p>
           <a:p>
             <a:pPr lvl="4"/>
             <a:r>
-              <a:rPr lang="en-US"/>
-              <a:t>Fifth level</a:t>
+              <a:rPr lang="hu-HU"/>
+              <a:t>Ötödik szint</a:t>
             </a:r>
             <a:endParaRPr lang="en-US" dirty="0"/>
           </a:p>
@@ -1811,36 +1849,36 @@
           <a:p>
             <a:pPr lvl="0"/>
             <a:r>
-              <a:rPr lang="en-US"/>
-              <a:t>Click to edit Master text styles</a:t>
+              <a:rPr lang="hu-HU"/>
+              <a:t>Mintaszöveg szerkesztése</a:t>
             </a:r>
           </a:p>
           <a:p>
             <a:pPr lvl="1"/>
             <a:r>
-              <a:rPr lang="en-US"/>
-              <a:t>Second level</a:t>
+              <a:rPr lang="hu-HU"/>
+              <a:t>Második szint</a:t>
             </a:r>
           </a:p>
           <a:p>
             <a:pPr lvl="2"/>
             <a:r>
-              <a:rPr lang="en-US"/>
-              <a:t>Third level</a:t>
+              <a:rPr lang="hu-HU"/>
+              <a:t>Harmadik szint</a:t>
             </a:r>
           </a:p>
           <a:p>
             <a:pPr lvl="3"/>
             <a:r>
-              <a:rPr lang="en-US"/>
-              <a:t>Fourth level</a:t>
+              <a:rPr lang="hu-HU"/>
+              <a:t>Negyedik szint</a:t>
             </a:r>
           </a:p>
           <a:p>
             <a:pPr lvl="4"/>
             <a:r>
-              <a:rPr lang="en-US"/>
-              <a:t>Fifth level</a:t>
+              <a:rPr lang="hu-HU"/>
+              <a:t>Ötödik szint</a:t>
             </a:r>
             <a:endParaRPr lang="en-US" dirty="0"/>
           </a:p>
@@ -1861,9 +1899,9 @@
           <a:bodyPr/>
           <a:lstStyle/>
           <a:p>
-            <a:fld id="{982BF05D-89CB-4E29-AB56-4A6AEB67FF3F}" type="datetime1">
+            <a:fld id="{1369FA49-4D0F-4506-AAEF-46CE7469542F}" type="datetime1">
               <a:rPr lang="en-GB" smtClean="0"/>
-              <a:t>19/08/2021</a:t>
+              <a:t>06/09/2021</a:t>
             </a:fld>
             <a:endParaRPr lang="en-GB"/>
           </a:p>
@@ -1917,19 +1955,32 @@
     </p:spTree>
     <p:extLst>
       <p:ext uri="{BB962C8B-B14F-4D97-AF65-F5344CB8AC3E}">
-        <p14:creationId xmlns:p14="http://schemas.microsoft.com/office/powerpoint/2010/main" val="3020829079"/>
+        <p14:creationId xmlns:p14="http://schemas.microsoft.com/office/powerpoint/2010/main" val="4222827074"/>
       </p:ext>
     </p:extLst>
   </p:cSld>
   <p:clrMapOvr>
     <a:masterClrMapping/>
   </p:clrMapOvr>
+  <mc:AlternateContent xmlns:mc="http://schemas.openxmlformats.org/markup-compatibility/2006">
+    <mc:Choice xmlns:p14="http://schemas.microsoft.com/office/powerpoint/2010/main" Requires="p14">
+      <p:transition spd="slow" p14:dur="3400">
+        <p14:reveal/>
+      </p:transition>
+    </mc:Choice>
+    <mc:Fallback>
+      <p:transition spd="slow">
+        <p:fade/>
+      </p:transition>
+    </mc:Fallback>
+  </mc:AlternateContent>
+  <p:hf hdr="0" dt="0"/>
 </p:sldLayout>
 </file>
 
 <file path=ppt/slideLayouts/slideLayout5.xml><?xml version="1.0" encoding="utf-8"?>
 <p:sldLayout xmlns:a="http://schemas.openxmlformats.org/drawingml/2006/main" xmlns:r="http://schemas.openxmlformats.org/officeDocument/2006/relationships" xmlns:p="http://schemas.openxmlformats.org/presentationml/2006/main" type="twoTxTwoObj" preserve="1">
-  <p:cSld name="Comparison">
+  <p:cSld name="Összehasonlítás">
     <p:spTree>
       <p:nvGrpSpPr>
         <p:cNvPr id="1" name=""/>
@@ -1960,8 +2011,8 @@
           <a:lstStyle/>
           <a:p>
             <a:r>
-              <a:rPr lang="en-US"/>
-              <a:t>Click to edit Master title style</a:t>
+              <a:rPr lang="hu-HU"/>
+              <a:t>Mintacím szerkesztése</a:t>
             </a:r>
             <a:endParaRPr lang="en-US" dirty="0"/>
           </a:p>
@@ -2029,8 +2080,8 @@
           <a:p>
             <a:pPr lvl="0"/>
             <a:r>
-              <a:rPr lang="en-US"/>
-              <a:t>Click to edit Master text styles</a:t>
+              <a:rPr lang="hu-HU"/>
+              <a:t>Mintaszöveg szerkesztése</a:t>
             </a:r>
           </a:p>
         </p:txBody>
@@ -2085,36 +2136,36 @@
           <a:p>
             <a:pPr lvl="0"/>
             <a:r>
-              <a:rPr lang="en-US"/>
-              <a:t>Click to edit Master text styles</a:t>
+              <a:rPr lang="hu-HU"/>
+              <a:t>Mintaszöveg szerkesztése</a:t>
             </a:r>
           </a:p>
           <a:p>
             <a:pPr lvl="1"/>
             <a:r>
-              <a:rPr lang="en-US"/>
-              <a:t>Second level</a:t>
+              <a:rPr lang="hu-HU"/>
+              <a:t>Második szint</a:t>
             </a:r>
           </a:p>
           <a:p>
             <a:pPr lvl="2"/>
             <a:r>
-              <a:rPr lang="en-US"/>
-              <a:t>Third level</a:t>
+              <a:rPr lang="hu-HU"/>
+              <a:t>Harmadik szint</a:t>
             </a:r>
           </a:p>
           <a:p>
             <a:pPr lvl="3"/>
             <a:r>
-              <a:rPr lang="en-US"/>
-              <a:t>Fourth level</a:t>
+              <a:rPr lang="hu-HU"/>
+              <a:t>Negyedik szint</a:t>
             </a:r>
           </a:p>
           <a:p>
             <a:pPr lvl="4"/>
             <a:r>
-              <a:rPr lang="en-US"/>
-              <a:t>Fifth level</a:t>
+              <a:rPr lang="hu-HU"/>
+              <a:t>Ötödik szint</a:t>
             </a:r>
             <a:endParaRPr lang="en-US" dirty="0"/>
           </a:p>
@@ -2182,8 +2233,8 @@
           <a:p>
             <a:pPr lvl="0"/>
             <a:r>
-              <a:rPr lang="en-US"/>
-              <a:t>Click to edit Master text styles</a:t>
+              <a:rPr lang="hu-HU"/>
+              <a:t>Mintaszöveg szerkesztése</a:t>
             </a:r>
           </a:p>
         </p:txBody>
@@ -2238,36 +2289,36 @@
           <a:p>
             <a:pPr lvl="0"/>
             <a:r>
-              <a:rPr lang="en-US"/>
-              <a:t>Click to edit Master text styles</a:t>
+              <a:rPr lang="hu-HU"/>
+              <a:t>Mintaszöveg szerkesztése</a:t>
             </a:r>
           </a:p>
           <a:p>
             <a:pPr lvl="1"/>
             <a:r>
-              <a:rPr lang="en-US"/>
-              <a:t>Second level</a:t>
+              <a:rPr lang="hu-HU"/>
+              <a:t>Második szint</a:t>
             </a:r>
           </a:p>
           <a:p>
             <a:pPr lvl="2"/>
             <a:r>
-              <a:rPr lang="en-US"/>
-              <a:t>Third level</a:t>
+              <a:rPr lang="hu-HU"/>
+              <a:t>Harmadik szint</a:t>
             </a:r>
           </a:p>
           <a:p>
             <a:pPr lvl="3"/>
             <a:r>
-              <a:rPr lang="en-US"/>
-              <a:t>Fourth level</a:t>
+              <a:rPr lang="hu-HU"/>
+              <a:t>Negyedik szint</a:t>
             </a:r>
           </a:p>
           <a:p>
             <a:pPr lvl="4"/>
             <a:r>
-              <a:rPr lang="en-US"/>
-              <a:t>Fifth level</a:t>
+              <a:rPr lang="hu-HU"/>
+              <a:t>Ötödik szint</a:t>
             </a:r>
             <a:endParaRPr lang="en-US" dirty="0"/>
           </a:p>
@@ -2288,9 +2339,9 @@
           <a:bodyPr/>
           <a:lstStyle/>
           <a:p>
-            <a:fld id="{D8042E01-826D-4EE9-B90F-AFE432755676}" type="datetime1">
+            <a:fld id="{1369FA49-4D0F-4506-AAEF-46CE7469542F}" type="datetime1">
               <a:rPr lang="en-GB" smtClean="0"/>
-              <a:t>19/08/2021</a:t>
+              <a:t>06/09/2021</a:t>
             </a:fld>
             <a:endParaRPr lang="en-GB"/>
           </a:p>
@@ -2344,19 +2395,32 @@
     </p:spTree>
     <p:extLst>
       <p:ext uri="{BB962C8B-B14F-4D97-AF65-F5344CB8AC3E}">
-        <p14:creationId xmlns:p14="http://schemas.microsoft.com/office/powerpoint/2010/main" val="2476297339"/>
+        <p14:creationId xmlns:p14="http://schemas.microsoft.com/office/powerpoint/2010/main" val="2650531816"/>
       </p:ext>
     </p:extLst>
   </p:cSld>
   <p:clrMapOvr>
     <a:masterClrMapping/>
   </p:clrMapOvr>
+  <mc:AlternateContent xmlns:mc="http://schemas.openxmlformats.org/markup-compatibility/2006">
+    <mc:Choice xmlns:p14="http://schemas.microsoft.com/office/powerpoint/2010/main" Requires="p14">
+      <p:transition spd="slow" p14:dur="3400">
+        <p14:reveal/>
+      </p:transition>
+    </mc:Choice>
+    <mc:Fallback>
+      <p:transition spd="slow">
+        <p:fade/>
+      </p:transition>
+    </mc:Fallback>
+  </mc:AlternateContent>
+  <p:hf hdr="0" dt="0"/>
 </p:sldLayout>
 </file>
 
 <file path=ppt/slideLayouts/slideLayout6.xml><?xml version="1.0" encoding="utf-8"?>
 <p:sldLayout xmlns:a="http://schemas.openxmlformats.org/drawingml/2006/main" xmlns:r="http://schemas.openxmlformats.org/officeDocument/2006/relationships" xmlns:p="http://schemas.openxmlformats.org/presentationml/2006/main" type="titleOnly" preserve="1">
-  <p:cSld name="Title Only">
+  <p:cSld name="Csak cím">
     <p:spTree>
       <p:nvGrpSpPr>
         <p:cNvPr id="1" name=""/>
@@ -2387,8 +2451,8 @@
           <a:lstStyle/>
           <a:p>
             <a:r>
-              <a:rPr lang="en-US"/>
-              <a:t>Click to edit Master title style</a:t>
+              <a:rPr lang="hu-HU"/>
+              <a:t>Mintacím szerkesztése</a:t>
             </a:r>
             <a:endParaRPr lang="en-US" dirty="0"/>
           </a:p>
@@ -2409,9 +2473,9 @@
           <a:bodyPr/>
           <a:lstStyle/>
           <a:p>
-            <a:fld id="{D921ADA8-4EB4-4022-8EEA-830CE9BBA112}" type="datetime1">
+            <a:fld id="{1369FA49-4D0F-4506-AAEF-46CE7469542F}" type="datetime1">
               <a:rPr lang="en-GB" smtClean="0"/>
-              <a:t>19/08/2021</a:t>
+              <a:t>06/09/2021</a:t>
             </a:fld>
             <a:endParaRPr lang="en-GB"/>
           </a:p>
@@ -2465,19 +2529,32 @@
     </p:spTree>
     <p:extLst>
       <p:ext uri="{BB962C8B-B14F-4D97-AF65-F5344CB8AC3E}">
-        <p14:creationId xmlns:p14="http://schemas.microsoft.com/office/powerpoint/2010/main" val="1264366481"/>
+        <p14:creationId xmlns:p14="http://schemas.microsoft.com/office/powerpoint/2010/main" val="2758493772"/>
       </p:ext>
     </p:extLst>
   </p:cSld>
   <p:clrMapOvr>
     <a:masterClrMapping/>
   </p:clrMapOvr>
+  <mc:AlternateContent xmlns:mc="http://schemas.openxmlformats.org/markup-compatibility/2006">
+    <mc:Choice xmlns:p14="http://schemas.microsoft.com/office/powerpoint/2010/main" Requires="p14">
+      <p:transition spd="slow" p14:dur="3400">
+        <p14:reveal/>
+      </p:transition>
+    </mc:Choice>
+    <mc:Fallback>
+      <p:transition spd="slow">
+        <p:fade/>
+      </p:transition>
+    </mc:Fallback>
+  </mc:AlternateContent>
+  <p:hf hdr="0" dt="0"/>
 </p:sldLayout>
 </file>
 
 <file path=ppt/slideLayouts/slideLayout7.xml><?xml version="1.0" encoding="utf-8"?>
 <p:sldLayout xmlns:a="http://schemas.openxmlformats.org/drawingml/2006/main" xmlns:r="http://schemas.openxmlformats.org/officeDocument/2006/relationships" xmlns:p="http://schemas.openxmlformats.org/presentationml/2006/main" type="blank" preserve="1">
-  <p:cSld name="Blank">
+  <p:cSld name="Üres">
     <p:spTree>
       <p:nvGrpSpPr>
         <p:cNvPr id="1" name=""/>
@@ -2507,9 +2584,9 @@
           <a:bodyPr/>
           <a:lstStyle/>
           <a:p>
-            <a:fld id="{A810CB07-DED2-4274-A542-35AB8EE25BDA}" type="datetime1">
+            <a:fld id="{1369FA49-4D0F-4506-AAEF-46CE7469542F}" type="datetime1">
               <a:rPr lang="en-GB" smtClean="0"/>
-              <a:t>19/08/2021</a:t>
+              <a:t>06/09/2021</a:t>
             </a:fld>
             <a:endParaRPr lang="en-GB"/>
           </a:p>
@@ -2563,19 +2640,32 @@
     </p:spTree>
     <p:extLst>
       <p:ext uri="{BB962C8B-B14F-4D97-AF65-F5344CB8AC3E}">
-        <p14:creationId xmlns:p14="http://schemas.microsoft.com/office/powerpoint/2010/main" val="2565290486"/>
+        <p14:creationId xmlns:p14="http://schemas.microsoft.com/office/powerpoint/2010/main" val="454051942"/>
       </p:ext>
     </p:extLst>
   </p:cSld>
   <p:clrMapOvr>
     <a:masterClrMapping/>
   </p:clrMapOvr>
+  <mc:AlternateContent xmlns:mc="http://schemas.openxmlformats.org/markup-compatibility/2006">
+    <mc:Choice xmlns:p14="http://schemas.microsoft.com/office/powerpoint/2010/main" Requires="p14">
+      <p:transition spd="slow" p14:dur="3400">
+        <p14:reveal/>
+      </p:transition>
+    </mc:Choice>
+    <mc:Fallback>
+      <p:transition spd="slow">
+        <p:fade/>
+      </p:transition>
+    </mc:Fallback>
+  </mc:AlternateContent>
+  <p:hf hdr="0" dt="0"/>
 </p:sldLayout>
 </file>
 
 <file path=ppt/slideLayouts/slideLayout8.xml><?xml version="1.0" encoding="utf-8"?>
 <p:sldLayout xmlns:a="http://schemas.openxmlformats.org/drawingml/2006/main" xmlns:r="http://schemas.openxmlformats.org/officeDocument/2006/relationships" xmlns:p="http://schemas.openxmlformats.org/presentationml/2006/main" type="objTx" preserve="1">
-  <p:cSld name="Content with Caption">
+  <p:cSld name="Tartalomrész képaláírással">
     <p:spTree>
       <p:nvGrpSpPr>
         <p:cNvPr id="1" name=""/>
@@ -2620,8 +2710,8 @@
           </a:lstStyle>
           <a:p>
             <a:r>
-              <a:rPr lang="en-US"/>
-              <a:t>Click to edit Master title style</a:t>
+              <a:rPr lang="hu-HU"/>
+              <a:t>Mintacím szerkesztése</a:t>
             </a:r>
             <a:endParaRPr lang="en-US" dirty="0"/>
           </a:p>
@@ -2677,36 +2767,36 @@
           <a:p>
             <a:pPr lvl="0"/>
             <a:r>
-              <a:rPr lang="en-US"/>
-              <a:t>Click to edit Master text styles</a:t>
+              <a:rPr lang="hu-HU"/>
+              <a:t>Mintaszöveg szerkesztése</a:t>
             </a:r>
           </a:p>
           <a:p>
             <a:pPr lvl="1"/>
             <a:r>
-              <a:rPr lang="en-US"/>
-              <a:t>Second level</a:t>
+              <a:rPr lang="hu-HU"/>
+              <a:t>Második szint</a:t>
             </a:r>
           </a:p>
           <a:p>
             <a:pPr lvl="2"/>
             <a:r>
-              <a:rPr lang="en-US"/>
-              <a:t>Third level</a:t>
+              <a:rPr lang="hu-HU"/>
+              <a:t>Harmadik szint</a:t>
             </a:r>
           </a:p>
           <a:p>
             <a:pPr lvl="3"/>
             <a:r>
-              <a:rPr lang="en-US"/>
-              <a:t>Fourth level</a:t>
+              <a:rPr lang="hu-HU"/>
+              <a:t>Negyedik szint</a:t>
             </a:r>
           </a:p>
           <a:p>
             <a:pPr lvl="4"/>
             <a:r>
-              <a:rPr lang="en-US"/>
-              <a:t>Fifth level</a:t>
+              <a:rPr lang="hu-HU"/>
+              <a:t>Ötödik szint</a:t>
             </a:r>
             <a:endParaRPr lang="en-US" dirty="0"/>
           </a:p>
@@ -2779,8 +2869,8 @@
           <a:p>
             <a:pPr lvl="0"/>
             <a:r>
-              <a:rPr lang="en-US"/>
-              <a:t>Click to edit Master text styles</a:t>
+              <a:rPr lang="hu-HU"/>
+              <a:t>Mintaszöveg szerkesztése</a:t>
             </a:r>
           </a:p>
         </p:txBody>
@@ -2800,9 +2890,9 @@
           <a:bodyPr/>
           <a:lstStyle/>
           <a:p>
-            <a:fld id="{372CF0A2-66C8-458A-9929-10773A099837}" type="datetime1">
+            <a:fld id="{1369FA49-4D0F-4506-AAEF-46CE7469542F}" type="datetime1">
               <a:rPr lang="en-GB" smtClean="0"/>
-              <a:t>19/08/2021</a:t>
+              <a:t>06/09/2021</a:t>
             </a:fld>
             <a:endParaRPr lang="en-GB"/>
           </a:p>
@@ -2856,19 +2946,32 @@
     </p:spTree>
     <p:extLst>
       <p:ext uri="{BB962C8B-B14F-4D97-AF65-F5344CB8AC3E}">
-        <p14:creationId xmlns:p14="http://schemas.microsoft.com/office/powerpoint/2010/main" val="3945354391"/>
+        <p14:creationId xmlns:p14="http://schemas.microsoft.com/office/powerpoint/2010/main" val="519925727"/>
       </p:ext>
     </p:extLst>
   </p:cSld>
   <p:clrMapOvr>
     <a:masterClrMapping/>
   </p:clrMapOvr>
+  <mc:AlternateContent xmlns:mc="http://schemas.openxmlformats.org/markup-compatibility/2006">
+    <mc:Choice xmlns:p14="http://schemas.microsoft.com/office/powerpoint/2010/main" Requires="p14">
+      <p:transition spd="slow" p14:dur="3400">
+        <p14:reveal/>
+      </p:transition>
+    </mc:Choice>
+    <mc:Fallback>
+      <p:transition spd="slow">
+        <p:fade/>
+      </p:transition>
+    </mc:Fallback>
+  </mc:AlternateContent>
+  <p:hf hdr="0" dt="0"/>
 </p:sldLayout>
 </file>
 
 <file path=ppt/slideLayouts/slideLayout9.xml><?xml version="1.0" encoding="utf-8"?>
 <p:sldLayout xmlns:a="http://schemas.openxmlformats.org/drawingml/2006/main" xmlns:r="http://schemas.openxmlformats.org/officeDocument/2006/relationships" xmlns:p="http://schemas.openxmlformats.org/presentationml/2006/main" type="picTx" preserve="1">
-  <p:cSld name="Picture with Caption">
+  <p:cSld name="Kép képaláírással">
     <p:spTree>
       <p:nvGrpSpPr>
         <p:cNvPr id="1" name=""/>
@@ -2913,8 +3016,8 @@
           </a:lstStyle>
           <a:p>
             <a:r>
-              <a:rPr lang="en-US"/>
-              <a:t>Click to edit Master title style</a:t>
+              <a:rPr lang="hu-HU"/>
+              <a:t>Mintacím szerkesztése</a:t>
             </a:r>
             <a:endParaRPr lang="en-US" dirty="0"/>
           </a:p>
@@ -2980,8 +3083,8 @@
           </a:lstStyle>
           <a:p>
             <a:r>
-              <a:rPr lang="en-US"/>
-              <a:t>Click icon to add picture</a:t>
+              <a:rPr lang="hu-HU"/>
+              <a:t>Kép beszúrásához kattintson az ikonra</a:t>
             </a:r>
             <a:endParaRPr lang="en-US" dirty="0"/>
           </a:p>
@@ -3054,8 +3157,8 @@
           <a:p>
             <a:pPr lvl="0"/>
             <a:r>
-              <a:rPr lang="en-US"/>
-              <a:t>Click to edit Master text styles</a:t>
+              <a:rPr lang="hu-HU"/>
+              <a:t>Mintaszöveg szerkesztése</a:t>
             </a:r>
           </a:p>
         </p:txBody>
@@ -3075,9 +3178,9 @@
           <a:bodyPr/>
           <a:lstStyle/>
           <a:p>
-            <a:fld id="{4CA8E7C5-94A6-47E4-A121-16BBEFA8868A}" type="datetime1">
+            <a:fld id="{1369FA49-4D0F-4506-AAEF-46CE7469542F}" type="datetime1">
               <a:rPr lang="en-GB" smtClean="0"/>
-              <a:t>19/08/2021</a:t>
+              <a:t>06/09/2021</a:t>
             </a:fld>
             <a:endParaRPr lang="en-GB"/>
           </a:p>
@@ -3131,13 +3234,26 @@
     </p:spTree>
     <p:extLst>
       <p:ext uri="{BB962C8B-B14F-4D97-AF65-F5344CB8AC3E}">
-        <p14:creationId xmlns:p14="http://schemas.microsoft.com/office/powerpoint/2010/main" val="1162356691"/>
+        <p14:creationId xmlns:p14="http://schemas.microsoft.com/office/powerpoint/2010/main" val="2733631928"/>
       </p:ext>
     </p:extLst>
   </p:cSld>
   <p:clrMapOvr>
     <a:masterClrMapping/>
   </p:clrMapOvr>
+  <mc:AlternateContent xmlns:mc="http://schemas.openxmlformats.org/markup-compatibility/2006">
+    <mc:Choice xmlns:p14="http://schemas.microsoft.com/office/powerpoint/2010/main" Requires="p14">
+      <p:transition spd="slow" p14:dur="3400">
+        <p14:reveal/>
+      </p:transition>
+    </mc:Choice>
+    <mc:Fallback>
+      <p:transition spd="slow">
+        <p:fade/>
+      </p:transition>
+    </mc:Fallback>
+  </mc:AlternateContent>
+  <p:hf hdr="0" dt="0"/>
 </p:sldLayout>
 </file>
 
@@ -3176,7 +3292,7 @@
         </p:nvSpPr>
         <p:spPr>
           <a:xfrm>
-            <a:off x="152009" y="402101"/>
+            <a:off x="231140" y="243840"/>
             <a:ext cx="11724640" cy="6377939"/>
           </a:xfrm>
           <a:prstGeom prst="rect">
@@ -3232,8 +3348,8 @@
           <a:lstStyle/>
           <a:p>
             <a:r>
-              <a:rPr lang="en-US"/>
-              <a:t>Click to edit Master title style</a:t>
+              <a:rPr lang="hu-HU"/>
+              <a:t>Mintacím szerkesztése</a:t>
             </a:r>
             <a:endParaRPr lang="en-US" dirty="0"/>
           </a:p>
@@ -3251,7 +3367,7 @@
         </p:nvSpPr>
         <p:spPr>
           <a:xfrm>
-            <a:off x="1371599" y="2209800"/>
+            <a:off x="1143000" y="2057400"/>
             <a:ext cx="9872871" cy="4038600"/>
           </a:xfrm>
           <a:prstGeom prst="rect">
@@ -3266,36 +3382,36 @@
           <a:p>
             <a:pPr lvl="0"/>
             <a:r>
-              <a:rPr lang="en-US"/>
-              <a:t>Click to edit Master text styles</a:t>
+              <a:rPr lang="hu-HU"/>
+              <a:t>Mintaszöveg szerkesztése</a:t>
             </a:r>
           </a:p>
           <a:p>
             <a:pPr lvl="1"/>
             <a:r>
-              <a:rPr lang="en-US"/>
-              <a:t>Second level</a:t>
+              <a:rPr lang="hu-HU"/>
+              <a:t>Második szint</a:t>
             </a:r>
           </a:p>
           <a:p>
             <a:pPr lvl="2"/>
             <a:r>
-              <a:rPr lang="en-US"/>
-              <a:t>Third level</a:t>
+              <a:rPr lang="hu-HU"/>
+              <a:t>Harmadik szint</a:t>
             </a:r>
           </a:p>
           <a:p>
             <a:pPr lvl="3"/>
             <a:r>
-              <a:rPr lang="en-US"/>
-              <a:t>Fourth level</a:t>
+              <a:rPr lang="hu-HU"/>
+              <a:t>Negyedik szint</a:t>
             </a:r>
           </a:p>
           <a:p>
             <a:pPr lvl="4"/>
             <a:r>
-              <a:rPr lang="en-US"/>
-              <a:t>Fifth level</a:t>
+              <a:rPr lang="hu-HU"/>
+              <a:t>Ötödik szint</a:t>
             </a:r>
             <a:endParaRPr lang="en-US" dirty="0"/>
           </a:p>
@@ -3334,7 +3450,7 @@
           <a:p>
             <a:fld id="{1369FA49-4D0F-4506-AAEF-46CE7469542F}" type="datetime1">
               <a:rPr lang="en-GB" smtClean="0"/>
-              <a:t>19/08/2021</a:t>
+              <a:t>06/09/2021</a:t>
             </a:fld>
             <a:endParaRPr lang="en-GB"/>
           </a:p>
@@ -3419,10 +3535,10 @@
       </p:sp>
       <p:pic>
         <p:nvPicPr>
-          <p:cNvPr id="1026" name="Picture 2" descr="Training360 Kft. - Home | Facebook">
+          <p:cNvPr id="8" name="Picture 2" descr="Training360 Kft. - Home | Facebook">
             <a:extLst>
               <a:ext uri="{FF2B5EF4-FFF2-40B4-BE49-F238E27FC236}">
-                <a16:creationId xmlns:a16="http://schemas.microsoft.com/office/drawing/2014/main" id="{8BE44723-F8ED-4438-ABB1-EC68FED0DEE2}"/>
+                <a16:creationId xmlns:a16="http://schemas.microsoft.com/office/drawing/2014/main" id="{3A59C763-E0EB-4A08-A7FA-829AC7435AB9}"/>
               </a:ext>
             </a:extLst>
           </p:cNvPr>
@@ -3465,24 +3581,36 @@
     </p:spTree>
     <p:extLst>
       <p:ext uri="{BB962C8B-B14F-4D97-AF65-F5344CB8AC3E}">
-        <p14:creationId xmlns:p14="http://schemas.microsoft.com/office/powerpoint/2010/main" val="1364954171"/>
+        <p14:creationId xmlns:p14="http://schemas.microsoft.com/office/powerpoint/2010/main" val="2802587787"/>
       </p:ext>
     </p:extLst>
   </p:cSld>
   <p:clrMap bg1="lt1" tx1="dk1" bg2="lt2" tx2="dk2" accent1="accent1" accent2="accent2" accent3="accent3" accent4="accent4" accent5="accent5" accent6="accent6" hlink="hlink" folHlink="folHlink"/>
   <p:sldLayoutIdLst>
-    <p:sldLayoutId id="2147483727" r:id="rId1"/>
-    <p:sldLayoutId id="2147483728" r:id="rId2"/>
-    <p:sldLayoutId id="2147483729" r:id="rId3"/>
-    <p:sldLayoutId id="2147483730" r:id="rId4"/>
-    <p:sldLayoutId id="2147483731" r:id="rId5"/>
-    <p:sldLayoutId id="2147483732" r:id="rId6"/>
-    <p:sldLayoutId id="2147483733" r:id="rId7"/>
-    <p:sldLayoutId id="2147483734" r:id="rId8"/>
-    <p:sldLayoutId id="2147483735" r:id="rId9"/>
-    <p:sldLayoutId id="2147483736" r:id="rId10"/>
-    <p:sldLayoutId id="2147483737" r:id="rId11"/>
+    <p:sldLayoutId id="2147483739" r:id="rId1"/>
+    <p:sldLayoutId id="2147483740" r:id="rId2"/>
+    <p:sldLayoutId id="2147483741" r:id="rId3"/>
+    <p:sldLayoutId id="2147483742" r:id="rId4"/>
+    <p:sldLayoutId id="2147483743" r:id="rId5"/>
+    <p:sldLayoutId id="2147483744" r:id="rId6"/>
+    <p:sldLayoutId id="2147483745" r:id="rId7"/>
+    <p:sldLayoutId id="2147483746" r:id="rId8"/>
+    <p:sldLayoutId id="2147483747" r:id="rId9"/>
+    <p:sldLayoutId id="2147483748" r:id="rId10"/>
+    <p:sldLayoutId id="2147483749" r:id="rId11"/>
   </p:sldLayoutIdLst>
+  <mc:AlternateContent xmlns:mc="http://schemas.openxmlformats.org/markup-compatibility/2006">
+    <mc:Choice xmlns:p14="http://schemas.microsoft.com/office/powerpoint/2010/main" Requires="p14">
+      <p:transition spd="slow" p14:dur="3400">
+        <p14:reveal/>
+      </p:transition>
+    </mc:Choice>
+    <mc:Fallback>
+      <p:transition spd="slow">
+        <p:fade/>
+      </p:transition>
+    </mc:Fallback>
+  </mc:AlternateContent>
   <p:hf hdr="0" dt="0"/>
   <p:txStyles>
     <p:titleStyle>
@@ -3934,6 +4062,18 @@
   <p:clrMapOvr>
     <a:masterClrMapping/>
   </p:clrMapOvr>
+  <mc:AlternateContent xmlns:mc="http://schemas.openxmlformats.org/markup-compatibility/2006">
+    <mc:Choice xmlns:p14="http://schemas.microsoft.com/office/powerpoint/2010/main" Requires="p14">
+      <p:transition spd="slow" p14:dur="3400">
+        <p14:reveal/>
+      </p:transition>
+    </mc:Choice>
+    <mc:Fallback>
+      <p:transition spd="slow">
+        <p:fade/>
+      </p:transition>
+    </mc:Fallback>
+  </mc:AlternateContent>
 </p:sld>
 </file>
 
@@ -3977,109 +4117,950 @@
           </a:bodyPr>
           <a:lstStyle/>
           <a:p>
-            <a:r>
-              <a:rPr lang="hu-HU" sz="3600" dirty="0"/>
+            <a:pPr algn="ctr"/>
+            <a:r>
+              <a:rPr lang="hu-HU" sz="3600" dirty="0">
+                <a:solidFill>
+                  <a:srgbClr val="0070C0"/>
+                </a:solidFill>
+              </a:rPr>
               <a:t>A választott alkalmazás rövid bemutatása</a:t>
             </a:r>
-            <a:endParaRPr lang="en-GB" sz="3600" dirty="0"/>
-          </a:p>
-        </p:txBody>
-      </p:sp>
-      <p:sp>
-        <p:nvSpPr>
-          <p:cNvPr id="3" name="Content Placeholder 2">
+            <a:endParaRPr lang="en-GB" sz="3600" dirty="0">
+              <a:solidFill>
+                <a:srgbClr val="0070C0"/>
+              </a:solidFill>
+            </a:endParaRPr>
+          </a:p>
+        </p:txBody>
+      </p:sp>
+      <p:graphicFrame>
+        <p:nvGraphicFramePr>
+          <p:cNvPr id="16" name="Táblázat 16">
             <a:extLst>
               <a:ext uri="{FF2B5EF4-FFF2-40B4-BE49-F238E27FC236}">
-                <a16:creationId xmlns:a16="http://schemas.microsoft.com/office/drawing/2014/main" id="{88948073-291A-4A0C-B90C-0018704A55F9}"/>
+                <a16:creationId xmlns:a16="http://schemas.microsoft.com/office/drawing/2014/main" id="{DF430113-8DD7-4E4F-B7B9-4BD7BCF8F999}"/>
               </a:ext>
             </a:extLst>
           </p:cNvPr>
-          <p:cNvSpPr>
-            <a:spLocks noGrp="1"/>
-          </p:cNvSpPr>
+          <p:cNvGraphicFramePr>
+            <a:graphicFrameLocks noGrp="1"/>
+          </p:cNvGraphicFramePr>
           <p:nvPr>
             <p:ph idx="1"/>
-          </p:nvPr>
-        </p:nvSpPr>
-        <p:spPr>
-          <a:xfrm>
-            <a:off x="6381629" y="2075594"/>
-            <a:ext cx="4654118" cy="4038600"/>
-          </a:xfrm>
-        </p:spPr>
-        <p:txBody>
-          <a:bodyPr>
-            <a:normAutofit/>
-          </a:bodyPr>
-          <a:lstStyle/>
-          <a:p>
-            <a:r>
-              <a:rPr lang="hu-HU" sz="1400" dirty="0"/>
-              <a:t>Regisztráció </a:t>
-            </a:r>
-          </a:p>
-          <a:p>
-            <a:r>
-              <a:rPr lang="hu-HU" sz="1400" dirty="0"/>
-              <a:t> Bejelentkezés </a:t>
-            </a:r>
-          </a:p>
-          <a:p>
-            <a:r>
-              <a:rPr lang="hu-HU" sz="1400" dirty="0"/>
-              <a:t> Adatkezelési nyilatkozat használata </a:t>
-            </a:r>
-          </a:p>
-          <a:p>
-            <a:r>
-              <a:rPr lang="hu-HU" sz="1400" dirty="0"/>
-              <a:t> Adatok listázása  (-)</a:t>
-            </a:r>
-          </a:p>
-          <a:p>
-            <a:r>
-              <a:rPr lang="hu-HU" sz="1400" dirty="0"/>
-              <a:t>Több oldalas lista bejárása (-)</a:t>
-            </a:r>
-          </a:p>
-          <a:p>
-            <a:r>
-              <a:rPr lang="hu-HU" sz="1400" dirty="0"/>
-              <a:t> Új adat bevitel </a:t>
-            </a:r>
-          </a:p>
-          <a:p>
-            <a:r>
-              <a:rPr lang="hu-HU" sz="1400" dirty="0"/>
-              <a:t> Ismételt és sorozatos adatbevitel adatforrásból </a:t>
-            </a:r>
-          </a:p>
-          <a:p>
-            <a:r>
-              <a:rPr lang="hu-HU" sz="1400" dirty="0"/>
-              <a:t> Meglévő adat módosítás</a:t>
-            </a:r>
-          </a:p>
-          <a:p>
-            <a:r>
-              <a:rPr lang="hu-HU" sz="1400" dirty="0"/>
-              <a:t> Adat vagy adatok törlése (-)</a:t>
-            </a:r>
-          </a:p>
-          <a:p>
-            <a:r>
-              <a:rPr lang="hu-HU" sz="1400" dirty="0"/>
-              <a:t>Adatok lementése felületről (-)</a:t>
-            </a:r>
-          </a:p>
-          <a:p>
-            <a:r>
-              <a:rPr lang="hu-HU" sz="1400" dirty="0"/>
-              <a:t> Kijelentkezés</a:t>
-            </a:r>
-          </a:p>
-        </p:txBody>
-      </p:sp>
+            <p:extLst>
+              <p:ext uri="{D42A27DB-BD31-4B8C-83A1-F6EECF244321}">
+                <p14:modId xmlns:p14="http://schemas.microsoft.com/office/powerpoint/2010/main" val="2000798769"/>
+              </p:ext>
+            </p:extLst>
+          </p:nvPr>
+        </p:nvGraphicFramePr>
+        <p:xfrm>
+          <a:off x="6125743" y="1860364"/>
+          <a:ext cx="5082357" cy="3338498"/>
+        </p:xfrm>
+        <a:graphic>
+          <a:graphicData uri="http://schemas.openxmlformats.org/drawingml/2006/table">
+            <a:tbl>
+              <a:tblPr firstRow="1" bandRow="1">
+                <a:tableStyleId>{5C22544A-7EE6-4342-B048-85BDC9FD1C3A}</a:tableStyleId>
+              </a:tblPr>
+              <a:tblGrid>
+                <a:gridCol w="1694119">
+                  <a:extLst>
+                    <a:ext uri="{9D8B030D-6E8A-4147-A177-3AD203B41FA5}">
+                      <a16:colId xmlns:a16="http://schemas.microsoft.com/office/drawing/2014/main" val="179892483"/>
+                    </a:ext>
+                  </a:extLst>
+                </a:gridCol>
+                <a:gridCol w="1694119">
+                  <a:extLst>
+                    <a:ext uri="{9D8B030D-6E8A-4147-A177-3AD203B41FA5}">
+                      <a16:colId xmlns:a16="http://schemas.microsoft.com/office/drawing/2014/main" val="1164655882"/>
+                    </a:ext>
+                  </a:extLst>
+                </a:gridCol>
+                <a:gridCol w="1694119">
+                  <a:extLst>
+                    <a:ext uri="{9D8B030D-6E8A-4147-A177-3AD203B41FA5}">
+                      <a16:colId xmlns:a16="http://schemas.microsoft.com/office/drawing/2014/main" val="12563631"/>
+                    </a:ext>
+                  </a:extLst>
+                </a:gridCol>
+              </a:tblGrid>
+              <a:tr h="454211">
+                <a:tc>
+                  <a:txBody>
+                    <a:bodyPr/>
+                    <a:lstStyle/>
+                    <a:p>
+                      <a:pPr algn="ctr" fontAlgn="t"/>
+                      <a:r>
+                        <a:rPr lang="hu-HU" sz="1100" b="1" i="0" u="none" strike="noStrike" dirty="0" err="1">
+                          <a:solidFill>
+                            <a:srgbClr val="000000"/>
+                          </a:solidFill>
+                          <a:effectLst/>
+                          <a:latin typeface="Calibri" panose="020F0502020204030204" pitchFamily="34" charset="0"/>
+                        </a:rPr>
+                        <a:t>Conduit</a:t>
+                      </a:r>
+                      <a:r>
+                        <a:rPr lang="hu-HU" sz="1100" b="1" i="0" u="none" strike="noStrike" dirty="0">
+                          <a:solidFill>
+                            <a:srgbClr val="000000"/>
+                          </a:solidFill>
+                          <a:effectLst/>
+                          <a:latin typeface="Calibri" panose="020F0502020204030204" pitchFamily="34" charset="0"/>
+                        </a:rPr>
+                        <a:t> vizsgaremek főbb funkciók:</a:t>
+                      </a:r>
+                    </a:p>
+                  </a:txBody>
+                  <a:tcPr marL="9525" marR="9525" marT="9525" marB="0" anchor="ctr"/>
+                </a:tc>
+                <a:tc>
+                  <a:txBody>
+                    <a:bodyPr/>
+                    <a:lstStyle/>
+                    <a:p>
+                      <a:pPr algn="ctr" fontAlgn="t"/>
+                      <a:r>
+                        <a:rPr lang="hu-HU" sz="1100" b="1" i="0" u="none" strike="noStrike" dirty="0">
+                          <a:solidFill>
+                            <a:srgbClr val="000000"/>
+                          </a:solidFill>
+                          <a:effectLst/>
+                          <a:latin typeface="Calibri" panose="020F0502020204030204" pitchFamily="34" charset="0"/>
+                        </a:rPr>
+                        <a:t>Fájlnév:</a:t>
+                      </a:r>
+                    </a:p>
+                  </a:txBody>
+                  <a:tcPr marL="9525" marR="9525" marT="9525" marB="0" anchor="ctr"/>
+                </a:tc>
+                <a:tc>
+                  <a:txBody>
+                    <a:bodyPr/>
+                    <a:lstStyle/>
+                    <a:p>
+                      <a:pPr algn="ctr" fontAlgn="t"/>
+                      <a:r>
+                        <a:rPr lang="hu-HU" sz="1100" b="1" i="0" u="none" strike="noStrike" dirty="0">
+                          <a:solidFill>
+                            <a:srgbClr val="000000"/>
+                          </a:solidFill>
+                          <a:effectLst/>
+                          <a:latin typeface="Calibri" panose="020F0502020204030204" pitchFamily="34" charset="0"/>
+                        </a:rPr>
+                        <a:t>Teszt függvény:</a:t>
+                      </a:r>
+                    </a:p>
+                  </a:txBody>
+                  <a:tcPr marL="9525" marR="9525" marT="9525" marB="0" anchor="ctr"/>
+                </a:tc>
+                <a:extLst>
+                  <a:ext uri="{0D108BD9-81ED-4DB2-BD59-A6C34878D82A}">
+                    <a16:rowId xmlns:a16="http://schemas.microsoft.com/office/drawing/2014/main" val="4095578911"/>
+                  </a:ext>
+                </a:extLst>
+              </a:tr>
+              <a:tr h="200013">
+                <a:tc>
+                  <a:txBody>
+                    <a:bodyPr/>
+                    <a:lstStyle/>
+                    <a:p>
+                      <a:pPr algn="l" fontAlgn="t"/>
+                      <a:r>
+                        <a:rPr lang="hu-HU" sz="1100" b="0" i="0" u="none" strike="noStrike">
+                          <a:solidFill>
+                            <a:srgbClr val="000000"/>
+                          </a:solidFill>
+                          <a:effectLst/>
+                          <a:latin typeface="Calibri" panose="020F0502020204030204" pitchFamily="34" charset="0"/>
+                        </a:rPr>
+                        <a:t>Regisztráció</a:t>
+                      </a:r>
+                    </a:p>
+                  </a:txBody>
+                  <a:tcPr marL="9525" marR="9525" marT="9525" marB="0"/>
+                </a:tc>
+                <a:tc>
+                  <a:txBody>
+                    <a:bodyPr/>
+                    <a:lstStyle/>
+                    <a:p>
+                      <a:pPr algn="l" fontAlgn="t"/>
+                      <a:r>
+                        <a:rPr lang="hu-HU" sz="1100" b="0" i="0" u="none" strike="noStrike">
+                          <a:solidFill>
+                            <a:srgbClr val="000000"/>
+                          </a:solidFill>
+                          <a:effectLst/>
+                          <a:latin typeface="Calibri" panose="020F0502020204030204" pitchFamily="34" charset="0"/>
+                        </a:rPr>
+                        <a:t>test_b_register.py</a:t>
+                      </a:r>
+                    </a:p>
+                  </a:txBody>
+                  <a:tcPr marL="9525" marR="9525" marT="9525" marB="0"/>
+                </a:tc>
+                <a:tc>
+                  <a:txBody>
+                    <a:bodyPr/>
+                    <a:lstStyle/>
+                    <a:p>
+                      <a:pPr algn="l" fontAlgn="t"/>
+                      <a:r>
+                        <a:rPr lang="hu-HU" sz="1100" b="0" i="0" u="none" strike="noStrike">
+                          <a:solidFill>
+                            <a:srgbClr val="000000"/>
+                          </a:solidFill>
+                          <a:effectLst/>
+                          <a:latin typeface="Calibri" panose="020F0502020204030204" pitchFamily="34" charset="0"/>
+                        </a:rPr>
+                        <a:t>sign_up_func()</a:t>
+                      </a:r>
+                    </a:p>
+                  </a:txBody>
+                  <a:tcPr marL="9525" marR="9525" marT="9525" marB="0"/>
+                </a:tc>
+                <a:extLst>
+                  <a:ext uri="{0D108BD9-81ED-4DB2-BD59-A6C34878D82A}">
+                    <a16:rowId xmlns:a16="http://schemas.microsoft.com/office/drawing/2014/main" val="2023648817"/>
+                  </a:ext>
+                </a:extLst>
+              </a:tr>
+              <a:tr h="200013">
+                <a:tc>
+                  <a:txBody>
+                    <a:bodyPr/>
+                    <a:lstStyle/>
+                    <a:p>
+                      <a:pPr algn="l" fontAlgn="t"/>
+                      <a:r>
+                        <a:rPr lang="hu-HU" sz="1100" b="0" i="0" u="none" strike="noStrike" dirty="0">
+                          <a:solidFill>
+                            <a:srgbClr val="000000"/>
+                          </a:solidFill>
+                          <a:effectLst/>
+                          <a:latin typeface="Calibri" panose="020F0502020204030204" pitchFamily="34" charset="0"/>
+                        </a:rPr>
+                        <a:t>Bejelentkezés</a:t>
+                      </a:r>
+                    </a:p>
+                  </a:txBody>
+                  <a:tcPr marL="9525" marR="9525" marT="9525" marB="0"/>
+                </a:tc>
+                <a:tc>
+                  <a:txBody>
+                    <a:bodyPr/>
+                    <a:lstStyle/>
+                    <a:p>
+                      <a:pPr algn="l" fontAlgn="t"/>
+                      <a:r>
+                        <a:rPr lang="en-US" sz="1100" b="0" i="0" u="none" strike="noStrike" dirty="0">
+                          <a:solidFill>
+                            <a:srgbClr val="000000"/>
+                          </a:solidFill>
+                          <a:effectLst/>
+                          <a:latin typeface="Calibri" panose="020F0502020204030204" pitchFamily="34" charset="0"/>
+                        </a:rPr>
+                        <a:t>test_a_login_logout.py</a:t>
+                      </a:r>
+                    </a:p>
+                  </a:txBody>
+                  <a:tcPr marL="9525" marR="9525" marT="9525" marB="0"/>
+                </a:tc>
+                <a:tc>
+                  <a:txBody>
+                    <a:bodyPr/>
+                    <a:lstStyle/>
+                    <a:p>
+                      <a:pPr algn="l" fontAlgn="t"/>
+                      <a:r>
+                        <a:rPr lang="hu-HU" sz="1100" b="0" i="0" u="none" strike="noStrike">
+                          <a:solidFill>
+                            <a:srgbClr val="000000"/>
+                          </a:solidFill>
+                          <a:effectLst/>
+                          <a:latin typeface="Calibri" panose="020F0502020204030204" pitchFamily="34" charset="0"/>
+                        </a:rPr>
+                        <a:t>login_func()</a:t>
+                      </a:r>
+                    </a:p>
+                  </a:txBody>
+                  <a:tcPr marL="9525" marR="9525" marT="9525" marB="0"/>
+                </a:tc>
+                <a:extLst>
+                  <a:ext uri="{0D108BD9-81ED-4DB2-BD59-A6C34878D82A}">
+                    <a16:rowId xmlns:a16="http://schemas.microsoft.com/office/drawing/2014/main" val="1638508764"/>
+                  </a:ext>
+                </a:extLst>
+              </a:tr>
+              <a:tr h="371049">
+                <a:tc>
+                  <a:txBody>
+                    <a:bodyPr/>
+                    <a:lstStyle/>
+                    <a:p>
+                      <a:pPr algn="l" fontAlgn="t"/>
+                      <a:r>
+                        <a:rPr lang="hu-HU" sz="1100" b="0" i="0" u="none" strike="noStrike" dirty="0">
+                          <a:solidFill>
+                            <a:srgbClr val="000000"/>
+                          </a:solidFill>
+                          <a:effectLst/>
+                          <a:latin typeface="Calibri" panose="020F0502020204030204" pitchFamily="34" charset="0"/>
+                        </a:rPr>
+                        <a:t>Adatkezelési nyilatkozat használata</a:t>
+                      </a:r>
+                    </a:p>
+                  </a:txBody>
+                  <a:tcPr marL="9525" marR="9525" marT="9525" marB="0"/>
+                </a:tc>
+                <a:tc>
+                  <a:txBody>
+                    <a:bodyPr/>
+                    <a:lstStyle/>
+                    <a:p>
+                      <a:pPr algn="l" fontAlgn="t"/>
+                      <a:r>
+                        <a:rPr lang="hu-HU" sz="1100" b="0" i="0" u="none" strike="noStrike">
+                          <a:solidFill>
+                            <a:srgbClr val="000000"/>
+                          </a:solidFill>
+                          <a:effectLst/>
+                          <a:latin typeface="Calibri" panose="020F0502020204030204" pitchFamily="34" charset="0"/>
+                        </a:rPr>
+                        <a:t>test_d_cookie.py</a:t>
+                      </a:r>
+                    </a:p>
+                  </a:txBody>
+                  <a:tcPr marL="9525" marR="9525" marT="9525" marB="0"/>
+                </a:tc>
+                <a:tc>
+                  <a:txBody>
+                    <a:bodyPr/>
+                    <a:lstStyle/>
+                    <a:p>
+                      <a:pPr algn="l" fontAlgn="t"/>
+                      <a:r>
+                        <a:rPr lang="en-US" sz="1100" b="0" i="0" u="none" strike="noStrike">
+                          <a:solidFill>
+                            <a:srgbClr val="000000"/>
+                          </a:solidFill>
+                          <a:effectLst/>
+                          <a:latin typeface="Calibri" panose="020F0502020204030204" pitchFamily="34" charset="0"/>
+                        </a:rPr>
+                        <a:t>cookie_policy_panel_exist_func()</a:t>
+                      </a:r>
+                    </a:p>
+                  </a:txBody>
+                  <a:tcPr marL="9525" marR="9525" marT="9525" marB="0"/>
+                </a:tc>
+                <a:extLst>
+                  <a:ext uri="{0D108BD9-81ED-4DB2-BD59-A6C34878D82A}">
+                    <a16:rowId xmlns:a16="http://schemas.microsoft.com/office/drawing/2014/main" val="1729531390"/>
+                  </a:ext>
+                </a:extLst>
+              </a:tr>
+              <a:tr h="200013">
+                <a:tc>
+                  <a:txBody>
+                    <a:bodyPr/>
+                    <a:lstStyle/>
+                    <a:p>
+                      <a:pPr algn="l" fontAlgn="t"/>
+                      <a:r>
+                        <a:rPr lang="hu-HU" sz="1100" b="0" i="0" u="none" strike="noStrike">
+                          <a:solidFill>
+                            <a:srgbClr val="000000"/>
+                          </a:solidFill>
+                          <a:effectLst/>
+                          <a:latin typeface="Calibri" panose="020F0502020204030204" pitchFamily="34" charset="0"/>
+                        </a:rPr>
+                        <a:t>Adatok listázása</a:t>
+                      </a:r>
+                    </a:p>
+                  </a:txBody>
+                  <a:tcPr marL="9525" marR="9525" marT="9525" marB="0"/>
+                </a:tc>
+                <a:tc>
+                  <a:txBody>
+                    <a:bodyPr/>
+                    <a:lstStyle/>
+                    <a:p>
+                      <a:pPr algn="l" fontAlgn="t"/>
+                      <a:r>
+                        <a:rPr lang="hu-HU" sz="1100" b="0" i="0" u="none" strike="noStrike" dirty="0">
+                          <a:solidFill>
+                            <a:srgbClr val="000000"/>
+                          </a:solidFill>
+                          <a:effectLst/>
+                          <a:latin typeface="Calibri" panose="020F0502020204030204" pitchFamily="34" charset="0"/>
+                        </a:rPr>
+                        <a:t>-</a:t>
+                      </a:r>
+                    </a:p>
+                  </a:txBody>
+                  <a:tcPr marL="9525" marR="9525" marT="9525" marB="0"/>
+                </a:tc>
+                <a:tc>
+                  <a:txBody>
+                    <a:bodyPr/>
+                    <a:lstStyle/>
+                    <a:p>
+                      <a:pPr algn="l" fontAlgn="t"/>
+                      <a:r>
+                        <a:rPr lang="hu-HU" sz="1100" b="0" i="0" u="none" strike="noStrike">
+                          <a:solidFill>
+                            <a:srgbClr val="000000"/>
+                          </a:solidFill>
+                          <a:effectLst/>
+                          <a:latin typeface="Calibri" panose="020F0502020204030204" pitchFamily="34" charset="0"/>
+                        </a:rPr>
+                        <a:t>-</a:t>
+                      </a:r>
+                    </a:p>
+                  </a:txBody>
+                  <a:tcPr marL="9525" marR="9525" marT="9525" marB="0"/>
+                </a:tc>
+                <a:extLst>
+                  <a:ext uri="{0D108BD9-81ED-4DB2-BD59-A6C34878D82A}">
+                    <a16:rowId xmlns:a16="http://schemas.microsoft.com/office/drawing/2014/main" val="4277400709"/>
+                  </a:ext>
+                </a:extLst>
+              </a:tr>
+              <a:tr h="200013">
+                <a:tc>
+                  <a:txBody>
+                    <a:bodyPr/>
+                    <a:lstStyle/>
+                    <a:p>
+                      <a:pPr algn="l" fontAlgn="t"/>
+                      <a:r>
+                        <a:rPr lang="hu-HU" sz="1100" b="0" i="0" u="none" strike="noStrike">
+                          <a:solidFill>
+                            <a:srgbClr val="000000"/>
+                          </a:solidFill>
+                          <a:effectLst/>
+                          <a:latin typeface="Calibri" panose="020F0502020204030204" pitchFamily="34" charset="0"/>
+                        </a:rPr>
+                        <a:t>Több oldalas lista bejárása</a:t>
+                      </a:r>
+                    </a:p>
+                  </a:txBody>
+                  <a:tcPr marL="9525" marR="9525" marT="9525" marB="0"/>
+                </a:tc>
+                <a:tc>
+                  <a:txBody>
+                    <a:bodyPr/>
+                    <a:lstStyle/>
+                    <a:p>
+                      <a:pPr algn="l" fontAlgn="t"/>
+                      <a:r>
+                        <a:rPr lang="hu-HU" sz="1100" b="0" i="0" u="none" strike="noStrike">
+                          <a:solidFill>
+                            <a:srgbClr val="000000"/>
+                          </a:solidFill>
+                          <a:effectLst/>
+                          <a:latin typeface="Calibri" panose="020F0502020204030204" pitchFamily="34" charset="0"/>
+                        </a:rPr>
+                        <a:t>-</a:t>
+                      </a:r>
+                    </a:p>
+                  </a:txBody>
+                  <a:tcPr marL="9525" marR="9525" marT="9525" marB="0"/>
+                </a:tc>
+                <a:tc>
+                  <a:txBody>
+                    <a:bodyPr/>
+                    <a:lstStyle/>
+                    <a:p>
+                      <a:pPr algn="l" fontAlgn="t"/>
+                      <a:r>
+                        <a:rPr lang="hu-HU" sz="1100" b="0" i="0" u="none" strike="noStrike">
+                          <a:solidFill>
+                            <a:srgbClr val="000000"/>
+                          </a:solidFill>
+                          <a:effectLst/>
+                          <a:latin typeface="Calibri" panose="020F0502020204030204" pitchFamily="34" charset="0"/>
+                        </a:rPr>
+                        <a:t>-</a:t>
+                      </a:r>
+                    </a:p>
+                  </a:txBody>
+                  <a:tcPr marL="9525" marR="9525" marT="9525" marB="0"/>
+                </a:tc>
+                <a:extLst>
+                  <a:ext uri="{0D108BD9-81ED-4DB2-BD59-A6C34878D82A}">
+                    <a16:rowId xmlns:a16="http://schemas.microsoft.com/office/drawing/2014/main" val="4108800481"/>
+                  </a:ext>
+                </a:extLst>
+              </a:tr>
+              <a:tr h="371049">
+                <a:tc>
+                  <a:txBody>
+                    <a:bodyPr/>
+                    <a:lstStyle/>
+                    <a:p>
+                      <a:pPr algn="l" fontAlgn="t"/>
+                      <a:r>
+                        <a:rPr lang="hu-HU" sz="1100" b="0" i="0" u="none" strike="noStrike">
+                          <a:solidFill>
+                            <a:srgbClr val="000000"/>
+                          </a:solidFill>
+                          <a:effectLst/>
+                          <a:latin typeface="Calibri" panose="020F0502020204030204" pitchFamily="34" charset="0"/>
+                        </a:rPr>
+                        <a:t>Új adat bevitel</a:t>
+                      </a:r>
+                    </a:p>
+                  </a:txBody>
+                  <a:tcPr marL="9525" marR="9525" marT="9525" marB="0"/>
+                </a:tc>
+                <a:tc>
+                  <a:txBody>
+                    <a:bodyPr/>
+                    <a:lstStyle/>
+                    <a:p>
+                      <a:pPr algn="l" fontAlgn="t"/>
+                      <a:r>
+                        <a:rPr lang="en-US" sz="1100" b="0" i="0" u="none" strike="noStrike">
+                          <a:solidFill>
+                            <a:srgbClr val="000000"/>
+                          </a:solidFill>
+                          <a:effectLst/>
+                          <a:latin typeface="Calibri" panose="020F0502020204030204" pitchFamily="34" charset="0"/>
+                        </a:rPr>
+                        <a:t>test_c_new_data_and_modify.py</a:t>
+                      </a:r>
+                    </a:p>
+                  </a:txBody>
+                  <a:tcPr marL="9525" marR="9525" marT="9525" marB="0"/>
+                </a:tc>
+                <a:tc>
+                  <a:txBody>
+                    <a:bodyPr/>
+                    <a:lstStyle/>
+                    <a:p>
+                      <a:pPr algn="l" fontAlgn="t"/>
+                      <a:r>
+                        <a:rPr lang="en-US" sz="1100" b="0" i="0" u="none" strike="noStrike">
+                          <a:solidFill>
+                            <a:srgbClr val="000000"/>
+                          </a:solidFill>
+                          <a:effectLst/>
+                          <a:latin typeface="Calibri" panose="020F0502020204030204" pitchFamily="34" charset="0"/>
+                        </a:rPr>
+                        <a:t>your_settings_write_func()</a:t>
+                      </a:r>
+                      <a:br>
+                        <a:rPr lang="en-US" sz="1100" b="0" i="0" u="none" strike="noStrike">
+                          <a:solidFill>
+                            <a:srgbClr val="000000"/>
+                          </a:solidFill>
+                          <a:effectLst/>
+                          <a:latin typeface="Calibri" panose="020F0502020204030204" pitchFamily="34" charset="0"/>
+                        </a:rPr>
+                      </a:br>
+                      <a:r>
+                        <a:rPr lang="en-US" sz="1100" b="0" i="0" u="none" strike="noStrike">
+                          <a:solidFill>
+                            <a:srgbClr val="000000"/>
+                          </a:solidFill>
+                          <a:effectLst/>
+                          <a:latin typeface="Calibri" panose="020F0502020204030204" pitchFamily="34" charset="0"/>
+                        </a:rPr>
+                        <a:t>your_settings_read_func()</a:t>
+                      </a:r>
+                    </a:p>
+                  </a:txBody>
+                  <a:tcPr marL="9525" marR="9525" marT="9525" marB="0"/>
+                </a:tc>
+                <a:extLst>
+                  <a:ext uri="{0D108BD9-81ED-4DB2-BD59-A6C34878D82A}">
+                    <a16:rowId xmlns:a16="http://schemas.microsoft.com/office/drawing/2014/main" val="3245292892"/>
+                  </a:ext>
+                </a:extLst>
+              </a:tr>
+              <a:tr h="371049">
+                <a:tc>
+                  <a:txBody>
+                    <a:bodyPr/>
+                    <a:lstStyle/>
+                    <a:p>
+                      <a:pPr algn="l" fontAlgn="t"/>
+                      <a:r>
+                        <a:rPr lang="hu-HU" sz="1100" b="0" i="0" u="none" strike="noStrike" dirty="0">
+                          <a:solidFill>
+                            <a:srgbClr val="000000"/>
+                          </a:solidFill>
+                          <a:effectLst/>
+                          <a:latin typeface="Calibri" panose="020F0502020204030204" pitchFamily="34" charset="0"/>
+                        </a:rPr>
+                        <a:t>Ismételt és sorozatos adatbevitel adatforrásból</a:t>
+                      </a:r>
+                    </a:p>
+                  </a:txBody>
+                  <a:tcPr marL="9525" marR="9525" marT="9525" marB="0"/>
+                </a:tc>
+                <a:tc>
+                  <a:txBody>
+                    <a:bodyPr/>
+                    <a:lstStyle/>
+                    <a:p>
+                      <a:pPr algn="l" fontAlgn="t"/>
+                      <a:r>
+                        <a:rPr lang="en-US" sz="1100" b="0" i="0" u="none" strike="noStrike">
+                          <a:solidFill>
+                            <a:srgbClr val="000000"/>
+                          </a:solidFill>
+                          <a:effectLst/>
+                          <a:latin typeface="Calibri" panose="020F0502020204030204" pitchFamily="34" charset="0"/>
+                        </a:rPr>
+                        <a:t>test_e_rep_data_new_article.py</a:t>
+                      </a:r>
+                    </a:p>
+                  </a:txBody>
+                  <a:tcPr marL="9525" marR="9525" marT="9525" marB="0"/>
+                </a:tc>
+                <a:tc>
+                  <a:txBody>
+                    <a:bodyPr/>
+                    <a:lstStyle/>
+                    <a:p>
+                      <a:pPr algn="l" fontAlgn="t"/>
+                      <a:r>
+                        <a:rPr lang="hu-HU" sz="1100" b="0" i="0" u="none" strike="noStrike">
+                          <a:solidFill>
+                            <a:srgbClr val="000000"/>
+                          </a:solidFill>
+                          <a:effectLst/>
+                          <a:latin typeface="Calibri" panose="020F0502020204030204" pitchFamily="34" charset="0"/>
+                        </a:rPr>
+                        <a:t>new_article_func()</a:t>
+                      </a:r>
+                    </a:p>
+                  </a:txBody>
+                  <a:tcPr marL="9525" marR="9525" marT="9525" marB="0"/>
+                </a:tc>
+                <a:extLst>
+                  <a:ext uri="{0D108BD9-81ED-4DB2-BD59-A6C34878D82A}">
+                    <a16:rowId xmlns:a16="http://schemas.microsoft.com/office/drawing/2014/main" val="2784639554"/>
+                  </a:ext>
+                </a:extLst>
+              </a:tr>
+              <a:tr h="371049">
+                <a:tc>
+                  <a:txBody>
+                    <a:bodyPr/>
+                    <a:lstStyle/>
+                    <a:p>
+                      <a:pPr algn="l" fontAlgn="t"/>
+                      <a:r>
+                        <a:rPr lang="hu-HU" sz="1100" b="0" i="0" u="none" strike="noStrike">
+                          <a:solidFill>
+                            <a:srgbClr val="000000"/>
+                          </a:solidFill>
+                          <a:effectLst/>
+                          <a:latin typeface="Calibri" panose="020F0502020204030204" pitchFamily="34" charset="0"/>
+                        </a:rPr>
+                        <a:t>Meglévő adat módosítás</a:t>
+                      </a:r>
+                    </a:p>
+                  </a:txBody>
+                  <a:tcPr marL="9525" marR="9525" marT="9525" marB="0"/>
+                </a:tc>
+                <a:tc>
+                  <a:txBody>
+                    <a:bodyPr/>
+                    <a:lstStyle/>
+                    <a:p>
+                      <a:pPr algn="l" fontAlgn="t"/>
+                      <a:r>
+                        <a:rPr lang="en-US" sz="1100" b="0" i="0" u="none" strike="noStrike">
+                          <a:solidFill>
+                            <a:srgbClr val="000000"/>
+                          </a:solidFill>
+                          <a:effectLst/>
+                          <a:latin typeface="Calibri" panose="020F0502020204030204" pitchFamily="34" charset="0"/>
+                        </a:rPr>
+                        <a:t>test_c_new_data_and_modify.py</a:t>
+                      </a:r>
+                    </a:p>
+                  </a:txBody>
+                  <a:tcPr marL="9525" marR="9525" marT="9525" marB="0"/>
+                </a:tc>
+                <a:tc>
+                  <a:txBody>
+                    <a:bodyPr/>
+                    <a:lstStyle/>
+                    <a:p>
+                      <a:pPr algn="l" fontAlgn="t"/>
+                      <a:r>
+                        <a:rPr lang="en-US" sz="1100" b="0" i="0" u="none" strike="noStrike">
+                          <a:solidFill>
+                            <a:srgbClr val="000000"/>
+                          </a:solidFill>
+                          <a:effectLst/>
+                          <a:latin typeface="Calibri" panose="020F0502020204030204" pitchFamily="34" charset="0"/>
+                        </a:rPr>
+                        <a:t>your_settings_write_func()</a:t>
+                      </a:r>
+                      <a:br>
+                        <a:rPr lang="en-US" sz="1100" b="0" i="0" u="none" strike="noStrike">
+                          <a:solidFill>
+                            <a:srgbClr val="000000"/>
+                          </a:solidFill>
+                          <a:effectLst/>
+                          <a:latin typeface="Calibri" panose="020F0502020204030204" pitchFamily="34" charset="0"/>
+                        </a:rPr>
+                      </a:br>
+                      <a:r>
+                        <a:rPr lang="en-US" sz="1100" b="0" i="0" u="none" strike="noStrike">
+                          <a:solidFill>
+                            <a:srgbClr val="000000"/>
+                          </a:solidFill>
+                          <a:effectLst/>
+                          <a:latin typeface="Calibri" panose="020F0502020204030204" pitchFamily="34" charset="0"/>
+                        </a:rPr>
+                        <a:t>your_settings_read_func()</a:t>
+                      </a:r>
+                    </a:p>
+                  </a:txBody>
+                  <a:tcPr marL="9525" marR="9525" marT="9525" marB="0"/>
+                </a:tc>
+                <a:extLst>
+                  <a:ext uri="{0D108BD9-81ED-4DB2-BD59-A6C34878D82A}">
+                    <a16:rowId xmlns:a16="http://schemas.microsoft.com/office/drawing/2014/main" val="135634053"/>
+                  </a:ext>
+                </a:extLst>
+              </a:tr>
+              <a:tr h="200013">
+                <a:tc>
+                  <a:txBody>
+                    <a:bodyPr/>
+                    <a:lstStyle/>
+                    <a:p>
+                      <a:pPr algn="l" fontAlgn="t"/>
+                      <a:r>
+                        <a:rPr lang="hu-HU" sz="1100" b="0" i="0" u="none" strike="noStrike">
+                          <a:solidFill>
+                            <a:srgbClr val="000000"/>
+                          </a:solidFill>
+                          <a:effectLst/>
+                          <a:latin typeface="Calibri" panose="020F0502020204030204" pitchFamily="34" charset="0"/>
+                        </a:rPr>
+                        <a:t>Adat vagy adatok törlése</a:t>
+                      </a:r>
+                    </a:p>
+                  </a:txBody>
+                  <a:tcPr marL="9525" marR="9525" marT="9525" marB="0"/>
+                </a:tc>
+                <a:tc>
+                  <a:txBody>
+                    <a:bodyPr/>
+                    <a:lstStyle/>
+                    <a:p>
+                      <a:pPr algn="l" fontAlgn="t"/>
+                      <a:r>
+                        <a:rPr lang="hu-HU" sz="1100" b="0" i="0" u="none" strike="noStrike" dirty="0">
+                          <a:solidFill>
+                            <a:srgbClr val="000000"/>
+                          </a:solidFill>
+                          <a:effectLst/>
+                          <a:latin typeface="Calibri" panose="020F0502020204030204" pitchFamily="34" charset="0"/>
+                        </a:rPr>
+                        <a:t>-</a:t>
+                      </a:r>
+                    </a:p>
+                  </a:txBody>
+                  <a:tcPr marL="9525" marR="9525" marT="9525" marB="0"/>
+                </a:tc>
+                <a:tc>
+                  <a:txBody>
+                    <a:bodyPr/>
+                    <a:lstStyle/>
+                    <a:p>
+                      <a:pPr algn="l" fontAlgn="t"/>
+                      <a:r>
+                        <a:rPr lang="hu-HU" sz="1100" b="0" i="0" u="none" strike="noStrike">
+                          <a:solidFill>
+                            <a:srgbClr val="000000"/>
+                          </a:solidFill>
+                          <a:effectLst/>
+                          <a:latin typeface="Calibri" panose="020F0502020204030204" pitchFamily="34" charset="0"/>
+                        </a:rPr>
+                        <a:t>-</a:t>
+                      </a:r>
+                    </a:p>
+                  </a:txBody>
+                  <a:tcPr marL="9525" marR="9525" marT="9525" marB="0"/>
+                </a:tc>
+                <a:extLst>
+                  <a:ext uri="{0D108BD9-81ED-4DB2-BD59-A6C34878D82A}">
+                    <a16:rowId xmlns:a16="http://schemas.microsoft.com/office/drawing/2014/main" val="728791896"/>
+                  </a:ext>
+                </a:extLst>
+              </a:tr>
+              <a:tr h="200013">
+                <a:tc>
+                  <a:txBody>
+                    <a:bodyPr/>
+                    <a:lstStyle/>
+                    <a:p>
+                      <a:pPr algn="l" fontAlgn="t"/>
+                      <a:r>
+                        <a:rPr lang="hu-HU" sz="1100" b="0" i="0" u="none" strike="noStrike">
+                          <a:solidFill>
+                            <a:srgbClr val="000000"/>
+                          </a:solidFill>
+                          <a:effectLst/>
+                          <a:latin typeface="Calibri" panose="020F0502020204030204" pitchFamily="34" charset="0"/>
+                        </a:rPr>
+                        <a:t>Adatok lementése felületről</a:t>
+                      </a:r>
+                    </a:p>
+                  </a:txBody>
+                  <a:tcPr marL="9525" marR="9525" marT="9525" marB="0"/>
+                </a:tc>
+                <a:tc>
+                  <a:txBody>
+                    <a:bodyPr/>
+                    <a:lstStyle/>
+                    <a:p>
+                      <a:pPr algn="l" fontAlgn="t"/>
+                      <a:r>
+                        <a:rPr lang="hu-HU" sz="1100" b="0" i="0" u="none" strike="noStrike">
+                          <a:solidFill>
+                            <a:srgbClr val="000000"/>
+                          </a:solidFill>
+                          <a:effectLst/>
+                          <a:latin typeface="Calibri" panose="020F0502020204030204" pitchFamily="34" charset="0"/>
+                        </a:rPr>
+                        <a:t>-</a:t>
+                      </a:r>
+                    </a:p>
+                  </a:txBody>
+                  <a:tcPr marL="9525" marR="9525" marT="9525" marB="0"/>
+                </a:tc>
+                <a:tc>
+                  <a:txBody>
+                    <a:bodyPr/>
+                    <a:lstStyle/>
+                    <a:p>
+                      <a:pPr algn="l" fontAlgn="t"/>
+                      <a:r>
+                        <a:rPr lang="hu-HU" sz="1100" b="0" i="0" u="none" strike="noStrike">
+                          <a:solidFill>
+                            <a:srgbClr val="000000"/>
+                          </a:solidFill>
+                          <a:effectLst/>
+                          <a:latin typeface="Calibri" panose="020F0502020204030204" pitchFamily="34" charset="0"/>
+                        </a:rPr>
+                        <a:t>-</a:t>
+                      </a:r>
+                    </a:p>
+                  </a:txBody>
+                  <a:tcPr marL="9525" marR="9525" marT="9525" marB="0"/>
+                </a:tc>
+                <a:extLst>
+                  <a:ext uri="{0D108BD9-81ED-4DB2-BD59-A6C34878D82A}">
+                    <a16:rowId xmlns:a16="http://schemas.microsoft.com/office/drawing/2014/main" val="3531441840"/>
+                  </a:ext>
+                </a:extLst>
+              </a:tr>
+              <a:tr h="200013">
+                <a:tc>
+                  <a:txBody>
+                    <a:bodyPr/>
+                    <a:lstStyle/>
+                    <a:p>
+                      <a:pPr algn="l" fontAlgn="t"/>
+                      <a:r>
+                        <a:rPr lang="hu-HU" sz="1100" b="0" i="0" u="none" strike="noStrike">
+                          <a:solidFill>
+                            <a:srgbClr val="000000"/>
+                          </a:solidFill>
+                          <a:effectLst/>
+                          <a:latin typeface="Calibri" panose="020F0502020204030204" pitchFamily="34" charset="0"/>
+                        </a:rPr>
+                        <a:t>Kijelentkezés</a:t>
+                      </a:r>
+                    </a:p>
+                  </a:txBody>
+                  <a:tcPr marL="9525" marR="9525" marT="9525" marB="0"/>
+                </a:tc>
+                <a:tc>
+                  <a:txBody>
+                    <a:bodyPr/>
+                    <a:lstStyle/>
+                    <a:p>
+                      <a:pPr algn="l" fontAlgn="t"/>
+                      <a:r>
+                        <a:rPr lang="en-US" sz="1100" b="0" i="0" u="none" strike="noStrike">
+                          <a:solidFill>
+                            <a:srgbClr val="000000"/>
+                          </a:solidFill>
+                          <a:effectLst/>
+                          <a:latin typeface="Calibri" panose="020F0502020204030204" pitchFamily="34" charset="0"/>
+                        </a:rPr>
+                        <a:t>test_a_login_logout.py</a:t>
+                      </a:r>
+                    </a:p>
+                  </a:txBody>
+                  <a:tcPr marL="9525" marR="9525" marT="9525" marB="0"/>
+                </a:tc>
+                <a:tc>
+                  <a:txBody>
+                    <a:bodyPr/>
+                    <a:lstStyle/>
+                    <a:p>
+                      <a:pPr algn="l" fontAlgn="t"/>
+                      <a:r>
+                        <a:rPr lang="hu-HU" sz="1100" b="0" i="0" u="none" strike="noStrike" dirty="0" err="1">
+                          <a:solidFill>
+                            <a:srgbClr val="000000"/>
+                          </a:solidFill>
+                          <a:effectLst/>
+                          <a:latin typeface="Calibri" panose="020F0502020204030204" pitchFamily="34" charset="0"/>
+                        </a:rPr>
+                        <a:t>logout_func</a:t>
+                      </a:r>
+                      <a:r>
+                        <a:rPr lang="hu-HU" sz="1000" b="0" i="0" u="none" strike="noStrike" dirty="0">
+                          <a:solidFill>
+                            <a:srgbClr val="A9B7C6"/>
+                          </a:solidFill>
+                          <a:effectLst/>
+                          <a:latin typeface="JetBrains Mono"/>
+                        </a:rPr>
+                        <a:t>()</a:t>
+                      </a:r>
+                      <a:endParaRPr lang="hu-HU" sz="1100" b="0" i="0" u="none" strike="noStrike" dirty="0">
+                        <a:solidFill>
+                          <a:srgbClr val="000000"/>
+                        </a:solidFill>
+                        <a:effectLst/>
+                        <a:latin typeface="Calibri" panose="020F0502020204030204" pitchFamily="34" charset="0"/>
+                      </a:endParaRPr>
+                    </a:p>
+                  </a:txBody>
+                  <a:tcPr marL="9525" marR="9525" marT="9525" marB="0"/>
+                </a:tc>
+                <a:extLst>
+                  <a:ext uri="{0D108BD9-81ED-4DB2-BD59-A6C34878D82A}">
+                    <a16:rowId xmlns:a16="http://schemas.microsoft.com/office/drawing/2014/main" val="4015179608"/>
+                  </a:ext>
+                </a:extLst>
+              </a:tr>
+            </a:tbl>
+          </a:graphicData>
+        </a:graphic>
+      </p:graphicFrame>
       <p:sp>
         <p:nvSpPr>
           <p:cNvPr id="4" name="Footer Placeholder 3">
@@ -4102,9 +5083,30 @@
           <a:lstStyle/>
           <a:p>
             <a:r>
-              <a:rPr lang="en-GB"/>
-              <a:t>Bazsalya András - Junior automatizált tesztelő vizsgaremek</a:t>
-            </a:r>
+              <a:rPr lang="en-GB" dirty="0"/>
+              <a:t>Bazsalya András - Junior </a:t>
+            </a:r>
+            <a:r>
+              <a:rPr lang="en-GB" dirty="0" err="1"/>
+              <a:t>automatizált</a:t>
+            </a:r>
+            <a:r>
+              <a:rPr lang="en-GB" dirty="0"/>
+              <a:t> </a:t>
+            </a:r>
+            <a:r>
+              <a:rPr lang="en-GB" dirty="0" err="1"/>
+              <a:t>tesztelő</a:t>
+            </a:r>
+            <a:r>
+              <a:rPr lang="en-GB" dirty="0"/>
+              <a:t> </a:t>
+            </a:r>
+            <a:r>
+              <a:rPr lang="en-GB" dirty="0" err="1"/>
+              <a:t>vizsgaremek</a:t>
+            </a:r>
+            <a:endParaRPr lang="en-GB" dirty="0"/>
           </a:p>
         </p:txBody>
       </p:sp>
@@ -4134,62 +5136,6 @@
               <a:t>2</a:t>
             </a:fld>
             <a:endParaRPr lang="en-GB"/>
-          </a:p>
-        </p:txBody>
-      </p:sp>
-      <p:sp>
-        <p:nvSpPr>
-          <p:cNvPr id="6" name="TextBox 5">
-            <a:extLst>
-              <a:ext uri="{FF2B5EF4-FFF2-40B4-BE49-F238E27FC236}">
-                <a16:creationId xmlns:a16="http://schemas.microsoft.com/office/drawing/2014/main" id="{9A73183F-04E1-4D80-B01A-29291F4B7C38}"/>
-              </a:ext>
-            </a:extLst>
-          </p:cNvPr>
-          <p:cNvSpPr txBox="1"/>
-          <p:nvPr/>
-        </p:nvSpPr>
-        <p:spPr>
-          <a:xfrm>
-            <a:off x="896645" y="2299317"/>
-            <a:ext cx="4279037" cy="646331"/>
-          </a:xfrm>
-          <a:prstGeom prst="rect">
-            <a:avLst/>
-          </a:prstGeom>
-          <a:noFill/>
-        </p:spPr>
-        <p:txBody>
-          <a:bodyPr wrap="square" rtlCol="0">
-            <a:spAutoFit/>
-          </a:bodyPr>
-          <a:lstStyle/>
-          <a:p>
-            <a:r>
-              <a:rPr lang="hu-HU" dirty="0" err="1"/>
-              <a:t>Conduit</a:t>
-            </a:r>
-            <a:r>
-              <a:rPr lang="hu-HU" dirty="0"/>
-              <a:t> </a:t>
-            </a:r>
-            <a:r>
-              <a:rPr lang="hu-HU" dirty="0" err="1"/>
-              <a:t>global</a:t>
-            </a:r>
-            <a:r>
-              <a:rPr lang="hu-HU" dirty="0"/>
-              <a:t> </a:t>
-            </a:r>
-            <a:r>
-              <a:rPr lang="hu-HU" dirty="0" err="1"/>
-              <a:t>feed</a:t>
-            </a:r>
-            <a:r>
-              <a:rPr lang="hu-HU" dirty="0"/>
-              <a:t> képernyő kép ide jön</a:t>
-            </a:r>
-            <a:endParaRPr lang="en-GB" dirty="0"/>
           </a:p>
         </p:txBody>
       </p:sp>
@@ -4215,14 +5161,76 @@
         </p:blipFill>
         <p:spPr>
           <a:xfrm>
-            <a:off x="988542" y="2075594"/>
-            <a:ext cx="4950939" cy="3517897"/>
+            <a:off x="1143000" y="1860364"/>
+            <a:ext cx="4793163" cy="3255333"/>
           </a:xfrm>
           <a:prstGeom prst="rect">
             <a:avLst/>
           </a:prstGeom>
         </p:spPr>
       </p:pic>
+      <p:sp>
+        <p:nvSpPr>
+          <p:cNvPr id="19" name="Szövegdoboz 18">
+            <a:extLst>
+              <a:ext uri="{FF2B5EF4-FFF2-40B4-BE49-F238E27FC236}">
+                <a16:creationId xmlns:a16="http://schemas.microsoft.com/office/drawing/2014/main" id="{A715D5A0-EEAD-44D8-B96E-CCE8CEE377E7}"/>
+              </a:ext>
+            </a:extLst>
+          </p:cNvPr>
+          <p:cNvSpPr txBox="1"/>
+          <p:nvPr/>
+        </p:nvSpPr>
+        <p:spPr>
+          <a:xfrm>
+            <a:off x="1845276" y="5316220"/>
+            <a:ext cx="7669427" cy="369332"/>
+          </a:xfrm>
+          <a:prstGeom prst="rect">
+            <a:avLst/>
+          </a:prstGeom>
+          <a:noFill/>
+        </p:spPr>
+        <p:txBody>
+          <a:bodyPr wrap="square">
+            <a:spAutoFit/>
+          </a:bodyPr>
+          <a:lstStyle/>
+          <a:p>
+            <a:pPr algn="ctr"/>
+            <a:r>
+              <a:rPr lang="hu-HU" dirty="0" err="1">
+                <a:solidFill>
+                  <a:schemeClr val="accent1"/>
+                </a:solidFill>
+              </a:rPr>
+              <a:t>Repository</a:t>
+            </a:r>
+            <a:r>
+              <a:rPr lang="hu-HU" dirty="0">
+                <a:solidFill>
+                  <a:schemeClr val="accent1"/>
+                </a:solidFill>
+              </a:rPr>
+              <a:t> URL: </a:t>
+            </a:r>
+            <a:r>
+              <a:rPr lang="hu-HU" dirty="0">
+                <a:solidFill>
+                  <a:schemeClr val="accent1"/>
+                </a:solidFill>
+                <a:hlinkClick r:id="rId3"/>
+              </a:rPr>
+              <a:t>https://github.com/andysmagicrepo/conduit</a:t>
+            </a:r>
+            <a:endParaRPr lang="hu-HU" dirty="0">
+              <a:solidFill>
+                <a:schemeClr val="accent1"/>
+              </a:solidFill>
+            </a:endParaRPr>
+          </a:p>
+        </p:txBody>
+      </p:sp>
     </p:spTree>
     <p:extLst>
       <p:ext uri="{BB962C8B-B14F-4D97-AF65-F5344CB8AC3E}">
@@ -4233,6 +5241,210 @@
   <p:clrMapOvr>
     <a:masterClrMapping/>
   </p:clrMapOvr>
+  <mc:AlternateContent xmlns:mc="http://schemas.openxmlformats.org/markup-compatibility/2006">
+    <mc:Choice xmlns:p14="http://schemas.microsoft.com/office/powerpoint/2010/main" Requires="p14">
+      <p:transition spd="slow" p14:dur="3400">
+        <p14:reveal/>
+      </p:transition>
+    </mc:Choice>
+    <mc:Fallback>
+      <p:transition spd="slow">
+        <p:fade/>
+      </p:transition>
+    </mc:Fallback>
+  </mc:AlternateContent>
+  <p:timing>
+    <p:tnLst>
+      <p:par>
+        <p:cTn id="1" dur="indefinite" restart="never" nodeType="tmRoot">
+          <p:childTnLst>
+            <p:seq concurrent="1" nextAc="seek">
+              <p:cTn id="2" dur="indefinite" nodeType="mainSeq">
+                <p:childTnLst>
+                  <p:par>
+                    <p:cTn id="3" fill="hold">
+                      <p:stCondLst>
+                        <p:cond delay="indefinite"/>
+                      </p:stCondLst>
+                      <p:childTnLst>
+                        <p:par>
+                          <p:cTn id="4" fill="hold">
+                            <p:stCondLst>
+                              <p:cond delay="0"/>
+                            </p:stCondLst>
+                            <p:childTnLst>
+                              <p:par>
+                                <p:cTn id="5" presetID="16" presetClass="entr" presetSubtype="21" fill="hold" nodeType="clickEffect">
+                                  <p:stCondLst>
+                                    <p:cond delay="1000"/>
+                                  </p:stCondLst>
+                                  <p:childTnLst>
+                                    <p:set>
+                                      <p:cBhvr>
+                                        <p:cTn id="6" dur="1" fill="hold">
+                                          <p:stCondLst>
+                                            <p:cond delay="0"/>
+                                          </p:stCondLst>
+                                        </p:cTn>
+                                        <p:tgtEl>
+                                          <p:spTgt spid="8"/>
+                                        </p:tgtEl>
+                                        <p:attrNameLst>
+                                          <p:attrName>style.visibility</p:attrName>
+                                        </p:attrNameLst>
+                                      </p:cBhvr>
+                                      <p:to>
+                                        <p:strVal val="visible"/>
+                                      </p:to>
+                                    </p:set>
+                                    <p:animEffect transition="in" filter="barn(inVertical)">
+                                      <p:cBhvr>
+                                        <p:cTn id="7" dur="500"/>
+                                        <p:tgtEl>
+                                          <p:spTgt spid="8"/>
+                                        </p:tgtEl>
+                                      </p:cBhvr>
+                                    </p:animEffect>
+                                  </p:childTnLst>
+                                </p:cTn>
+                              </p:par>
+                            </p:childTnLst>
+                          </p:cTn>
+                        </p:par>
+                      </p:childTnLst>
+                    </p:cTn>
+                  </p:par>
+                  <p:par>
+                    <p:cTn id="8" fill="hold">
+                      <p:stCondLst>
+                        <p:cond delay="indefinite"/>
+                      </p:stCondLst>
+                      <p:childTnLst>
+                        <p:par>
+                          <p:cTn id="9" fill="hold">
+                            <p:stCondLst>
+                              <p:cond delay="0"/>
+                            </p:stCondLst>
+                            <p:childTnLst>
+                              <p:par>
+                                <p:cTn id="10" presetID="16" presetClass="entr" presetSubtype="21" fill="hold" nodeType="clickEffect">
+                                  <p:stCondLst>
+                                    <p:cond delay="2500"/>
+                                  </p:stCondLst>
+                                  <p:childTnLst>
+                                    <p:set>
+                                      <p:cBhvr>
+                                        <p:cTn id="11" dur="1" fill="hold">
+                                          <p:stCondLst>
+                                            <p:cond delay="0"/>
+                                          </p:stCondLst>
+                                        </p:cTn>
+                                        <p:tgtEl>
+                                          <p:spTgt spid="16"/>
+                                        </p:tgtEl>
+                                        <p:attrNameLst>
+                                          <p:attrName>style.visibility</p:attrName>
+                                        </p:attrNameLst>
+                                      </p:cBhvr>
+                                      <p:to>
+                                        <p:strVal val="visible"/>
+                                      </p:to>
+                                    </p:set>
+                                    <p:animEffect transition="in" filter="barn(inVertical)">
+                                      <p:cBhvr>
+                                        <p:cTn id="12" dur="500"/>
+                                        <p:tgtEl>
+                                          <p:spTgt spid="16"/>
+                                        </p:tgtEl>
+                                      </p:cBhvr>
+                                    </p:animEffect>
+                                  </p:childTnLst>
+                                </p:cTn>
+                              </p:par>
+                            </p:childTnLst>
+                          </p:cTn>
+                        </p:par>
+                      </p:childTnLst>
+                    </p:cTn>
+                  </p:par>
+                  <p:par>
+                    <p:cTn id="13" fill="hold">
+                      <p:stCondLst>
+                        <p:cond delay="indefinite"/>
+                      </p:stCondLst>
+                      <p:childTnLst>
+                        <p:par>
+                          <p:cTn id="14" fill="hold">
+                            <p:stCondLst>
+                              <p:cond delay="0"/>
+                            </p:stCondLst>
+                            <p:childTnLst>
+                              <p:par>
+                                <p:cTn id="15" presetID="16" presetClass="entr" presetSubtype="21" fill="hold" grpId="0" nodeType="clickEffect">
+                                  <p:stCondLst>
+                                    <p:cond delay="3500"/>
+                                  </p:stCondLst>
+                                  <p:childTnLst>
+                                    <p:set>
+                                      <p:cBhvr>
+                                        <p:cTn id="16" dur="1" fill="hold">
+                                          <p:stCondLst>
+                                            <p:cond delay="0"/>
+                                          </p:stCondLst>
+                                        </p:cTn>
+                                        <p:tgtEl>
+                                          <p:spTgt spid="19"/>
+                                        </p:tgtEl>
+                                        <p:attrNameLst>
+                                          <p:attrName>style.visibility</p:attrName>
+                                        </p:attrNameLst>
+                                      </p:cBhvr>
+                                      <p:to>
+                                        <p:strVal val="visible"/>
+                                      </p:to>
+                                    </p:set>
+                                    <p:animEffect transition="in" filter="barn(inVertical)">
+                                      <p:cBhvr>
+                                        <p:cTn id="17" dur="500"/>
+                                        <p:tgtEl>
+                                          <p:spTgt spid="19"/>
+                                        </p:tgtEl>
+                                      </p:cBhvr>
+                                    </p:animEffect>
+                                  </p:childTnLst>
+                                </p:cTn>
+                              </p:par>
+                            </p:childTnLst>
+                          </p:cTn>
+                        </p:par>
+                      </p:childTnLst>
+                    </p:cTn>
+                  </p:par>
+                </p:childTnLst>
+              </p:cTn>
+              <p:prevCondLst>
+                <p:cond evt="onPrev" delay="0">
+                  <p:tgtEl>
+                    <p:sldTgt/>
+                  </p:tgtEl>
+                </p:cond>
+              </p:prevCondLst>
+              <p:nextCondLst>
+                <p:cond evt="onNext" delay="0">
+                  <p:tgtEl>
+                    <p:sldTgt/>
+                  </p:tgtEl>
+                </p:cond>
+              </p:nextCondLst>
+            </p:seq>
+          </p:childTnLst>
+        </p:cTn>
+      </p:par>
+    </p:tnLst>
+    <p:bldLst>
+      <p:bldP spid="19" grpId="0"/>
+    </p:bldLst>
+  </p:timing>
 </p:sld>
 </file>
 
@@ -4269,20 +5481,26 @@
             <p:ph type="title"/>
           </p:nvPr>
         </p:nvSpPr>
-        <p:spPr/>
+        <p:spPr>
+          <a:xfrm>
+            <a:off x="1143000" y="609600"/>
+            <a:ext cx="9875520" cy="746130"/>
+          </a:xfrm>
+        </p:spPr>
         <p:txBody>
           <a:bodyPr>
             <a:noAutofit/>
           </a:bodyPr>
           <a:lstStyle/>
           <a:p>
+            <a:pPr algn="ctr"/>
             <a:r>
               <a:rPr lang="en-GB" sz="3200" dirty="0" err="1"/>
               <a:t>Automatizálás</a:t>
             </a:r>
             <a:r>
               <a:rPr lang="en-GB" sz="3200" dirty="0"/>
-              <a:t>. </a:t>
+              <a:t> </a:t>
             </a:r>
             <a:r>
               <a:rPr lang="en-GB" sz="3200" dirty="0" err="1"/>
@@ -4290,63 +5508,15 @@
             </a:r>
             <a:r>
               <a:rPr lang="en-GB" sz="3200" dirty="0"/>
-              <a:t> action workflow, </a:t>
-            </a:r>
-            <a:r>
-              <a:rPr lang="en-GB" sz="3200" dirty="0" err="1"/>
-              <a:t>vagy</a:t>
-            </a:r>
-            <a:r>
-              <a:rPr lang="en-GB" sz="3200" dirty="0"/>
-              <a:t> workflow-k </a:t>
-            </a:r>
-            <a:r>
-              <a:rPr lang="en-GB" sz="3200" dirty="0" err="1"/>
-              <a:t>lépései</a:t>
-            </a:r>
-            <a:r>
-              <a:rPr lang="en-GB" sz="3200" dirty="0"/>
-              <a:t> </a:t>
-            </a:r>
-            <a:r>
-              <a:rPr lang="en-GB" sz="3200" dirty="0" err="1"/>
-              <a:t>és</a:t>
-            </a:r>
-            <a:r>
-              <a:rPr lang="en-GB" sz="3200" dirty="0"/>
-              <a:t> </a:t>
-            </a:r>
-            <a:r>
-              <a:rPr lang="en-GB" sz="3200" dirty="0" err="1"/>
-              <a:t>egy</a:t>
-            </a:r>
-            <a:r>
-              <a:rPr lang="en-GB" sz="3200" dirty="0"/>
-              <a:t> </a:t>
-            </a:r>
-            <a:r>
-              <a:rPr lang="en-GB" sz="3200" dirty="0" err="1"/>
-              <a:t>képernyőkép</a:t>
-            </a:r>
-            <a:r>
-              <a:rPr lang="en-GB" sz="3200" dirty="0"/>
-              <a:t> a </a:t>
-            </a:r>
-            <a:r>
-              <a:rPr lang="en-GB" sz="3200" dirty="0" err="1"/>
-              <a:t>lefutott</a:t>
-            </a:r>
-            <a:r>
-              <a:rPr lang="en-GB" sz="3200" dirty="0"/>
-              <a:t> </a:t>
-            </a:r>
-            <a:r>
-              <a:rPr lang="en-GB" sz="3200" dirty="0" err="1"/>
-              <a:t>workflowró</a:t>
+              <a:t> action workflow</a:t>
             </a:r>
             <a:r>
               <a:rPr lang="hu-HU" sz="3200" dirty="0"/>
-              <a:t>l</a:t>
+              <a:t>-</a:t>
+            </a:r>
+            <a:r>
+              <a:rPr lang="hu-HU" sz="3200" dirty="0" err="1"/>
+              <a:t>val</a:t>
             </a:r>
             <a:endParaRPr lang="en-GB" sz="3200" dirty="0"/>
           </a:p>
@@ -4368,16 +5538,15 @@
             <p:ph idx="1"/>
           </p:nvPr>
         </p:nvPicPr>
-        <p:blipFill>
+        <p:blipFill rotWithShape="1">
           <a:blip r:embed="rId2"/>
-          <a:stretch>
-            <a:fillRect/>
-          </a:stretch>
+          <a:srcRect t="11371" r="21683" b="17123"/>
+          <a:stretch/>
         </p:blipFill>
         <p:spPr>
           <a:xfrm>
-            <a:off x="1243913" y="1965961"/>
-            <a:ext cx="1952368" cy="2062342"/>
+            <a:off x="2752187" y="1160801"/>
+            <a:ext cx="5258338" cy="5071462"/>
           </a:xfrm>
         </p:spPr>
       </p:pic>
@@ -4460,8 +5629,8 @@
         </p:blipFill>
         <p:spPr>
           <a:xfrm>
-            <a:off x="7801232" y="2005645"/>
-            <a:ext cx="2957384" cy="2062342"/>
+            <a:off x="2447036" y="1194450"/>
+            <a:ext cx="7097014" cy="4949127"/>
           </a:xfrm>
           <a:prstGeom prst="rect">
             <a:avLst/>
@@ -4490,8 +5659,35 @@
         </p:blipFill>
         <p:spPr>
           <a:xfrm>
-            <a:off x="3492843" y="1965960"/>
-            <a:ext cx="4201298" cy="3973521"/>
+            <a:off x="3121153" y="1712420"/>
+            <a:ext cx="4469373" cy="4227062"/>
+          </a:xfrm>
+          <a:prstGeom prst="rect">
+            <a:avLst/>
+          </a:prstGeom>
+        </p:spPr>
+      </p:pic>
+      <p:pic>
+        <p:nvPicPr>
+          <p:cNvPr id="8" name="Kép 7">
+            <a:extLst>
+              <a:ext uri="{FF2B5EF4-FFF2-40B4-BE49-F238E27FC236}">
+                <a16:creationId xmlns:a16="http://schemas.microsoft.com/office/drawing/2014/main" id="{5524EAC2-8D61-4E60-B3E9-C87D4C89F622}"/>
+              </a:ext>
+            </a:extLst>
+          </p:cNvPr>
+          <p:cNvPicPr/>
+          <p:nvPr/>
+        </p:nvPicPr>
+        <p:blipFill rotWithShape="1">
+          <a:blip r:embed="rId5"/>
+          <a:srcRect l="6620" t="21344" r="8283" b="-548"/>
+          <a:stretch/>
+        </p:blipFill>
+        <p:spPr>
+          <a:xfrm>
+            <a:off x="1928217" y="1203196"/>
+            <a:ext cx="8759635" cy="4745032"/>
           </a:xfrm>
           <a:prstGeom prst="rect">
             <a:avLst/>
@@ -4508,6 +5704,776 @@
   <p:clrMapOvr>
     <a:masterClrMapping/>
   </p:clrMapOvr>
+  <mc:AlternateContent xmlns:mc="http://schemas.openxmlformats.org/markup-compatibility/2006">
+    <mc:Choice xmlns:p14="http://schemas.microsoft.com/office/powerpoint/2010/main" Requires="p14">
+      <p:transition spd="slow" p14:dur="3400">
+        <p14:reveal/>
+      </p:transition>
+    </mc:Choice>
+    <mc:Fallback>
+      <p:transition spd="slow">
+        <p:fade/>
+      </p:transition>
+    </mc:Fallback>
+  </mc:AlternateContent>
+  <p:timing>
+    <p:tnLst>
+      <p:par>
+        <p:cTn id="1" dur="indefinite" restart="never" nodeType="tmRoot">
+          <p:childTnLst>
+            <p:seq concurrent="1" nextAc="seek">
+              <p:cTn id="2" dur="indefinite" nodeType="mainSeq">
+                <p:childTnLst>
+                  <p:par>
+                    <p:cTn id="3" fill="hold">
+                      <p:stCondLst>
+                        <p:cond delay="indefinite"/>
+                      </p:stCondLst>
+                      <p:childTnLst>
+                        <p:par>
+                          <p:cTn id="4" fill="hold">
+                            <p:stCondLst>
+                              <p:cond delay="0"/>
+                            </p:stCondLst>
+                            <p:childTnLst>
+                              <p:par>
+                                <p:cTn id="5" presetID="2" presetClass="entr" presetSubtype="1" fill="hold" nodeType="clickEffect">
+                                  <p:stCondLst>
+                                    <p:cond delay="0"/>
+                                  </p:stCondLst>
+                                  <p:childTnLst>
+                                    <p:set>
+                                      <p:cBhvr>
+                                        <p:cTn id="6" dur="1" fill="hold">
+                                          <p:stCondLst>
+                                            <p:cond delay="0"/>
+                                          </p:stCondLst>
+                                        </p:cTn>
+                                        <p:tgtEl>
+                                          <p:spTgt spid="8"/>
+                                        </p:tgtEl>
+                                        <p:attrNameLst>
+                                          <p:attrName>style.visibility</p:attrName>
+                                        </p:attrNameLst>
+                                      </p:cBhvr>
+                                      <p:to>
+                                        <p:strVal val="visible"/>
+                                      </p:to>
+                                    </p:set>
+                                    <p:anim calcmode="lin" valueType="num">
+                                      <p:cBhvr additive="base">
+                                        <p:cTn id="7" dur="500" fill="hold"/>
+                                        <p:tgtEl>
+                                          <p:spTgt spid="8"/>
+                                        </p:tgtEl>
+                                        <p:attrNameLst>
+                                          <p:attrName>ppt_x</p:attrName>
+                                        </p:attrNameLst>
+                                      </p:cBhvr>
+                                      <p:tavLst>
+                                        <p:tav tm="0">
+                                          <p:val>
+                                            <p:strVal val="#ppt_x"/>
+                                          </p:val>
+                                        </p:tav>
+                                        <p:tav tm="100000">
+                                          <p:val>
+                                            <p:strVal val="#ppt_x"/>
+                                          </p:val>
+                                        </p:tav>
+                                      </p:tavLst>
+                                    </p:anim>
+                                    <p:anim calcmode="lin" valueType="num">
+                                      <p:cBhvr additive="base">
+                                        <p:cTn id="8" dur="500" fill="hold"/>
+                                        <p:tgtEl>
+                                          <p:spTgt spid="8"/>
+                                        </p:tgtEl>
+                                        <p:attrNameLst>
+                                          <p:attrName>ppt_y</p:attrName>
+                                        </p:attrNameLst>
+                                      </p:cBhvr>
+                                      <p:tavLst>
+                                        <p:tav tm="0">
+                                          <p:val>
+                                            <p:strVal val="0-#ppt_h/2"/>
+                                          </p:val>
+                                        </p:tav>
+                                        <p:tav tm="100000">
+                                          <p:val>
+                                            <p:strVal val="#ppt_y"/>
+                                          </p:val>
+                                        </p:tav>
+                                      </p:tavLst>
+                                    </p:anim>
+                                  </p:childTnLst>
+                                </p:cTn>
+                              </p:par>
+                            </p:childTnLst>
+                          </p:cTn>
+                        </p:par>
+                      </p:childTnLst>
+                    </p:cTn>
+                  </p:par>
+                  <p:par>
+                    <p:cTn id="9" fill="hold">
+                      <p:stCondLst>
+                        <p:cond delay="indefinite"/>
+                      </p:stCondLst>
+                      <p:childTnLst>
+                        <p:par>
+                          <p:cTn id="10" fill="hold">
+                            <p:stCondLst>
+                              <p:cond delay="0"/>
+                            </p:stCondLst>
+                            <p:childTnLst>
+                              <p:par>
+                                <p:cTn id="11" presetID="2" presetClass="exit" presetSubtype="4" fill="hold" nodeType="clickEffect">
+                                  <p:stCondLst>
+                                    <p:cond delay="5250"/>
+                                  </p:stCondLst>
+                                  <p:childTnLst>
+                                    <p:anim calcmode="lin" valueType="num">
+                                      <p:cBhvr additive="base">
+                                        <p:cTn id="12" dur="500"/>
+                                        <p:tgtEl>
+                                          <p:spTgt spid="8"/>
+                                        </p:tgtEl>
+                                        <p:attrNameLst>
+                                          <p:attrName>ppt_x</p:attrName>
+                                        </p:attrNameLst>
+                                      </p:cBhvr>
+                                      <p:tavLst>
+                                        <p:tav tm="0">
+                                          <p:val>
+                                            <p:strVal val="ppt_x"/>
+                                          </p:val>
+                                        </p:tav>
+                                        <p:tav tm="100000">
+                                          <p:val>
+                                            <p:strVal val="ppt_x"/>
+                                          </p:val>
+                                        </p:tav>
+                                      </p:tavLst>
+                                    </p:anim>
+                                    <p:anim calcmode="lin" valueType="num">
+                                      <p:cBhvr additive="base">
+                                        <p:cTn id="13" dur="500"/>
+                                        <p:tgtEl>
+                                          <p:spTgt spid="8"/>
+                                        </p:tgtEl>
+                                        <p:attrNameLst>
+                                          <p:attrName>ppt_y</p:attrName>
+                                        </p:attrNameLst>
+                                      </p:cBhvr>
+                                      <p:tavLst>
+                                        <p:tav tm="0">
+                                          <p:val>
+                                            <p:strVal val="ppt_y"/>
+                                          </p:val>
+                                        </p:tav>
+                                        <p:tav tm="100000">
+                                          <p:val>
+                                            <p:strVal val="1+ppt_h/2"/>
+                                          </p:val>
+                                        </p:tav>
+                                      </p:tavLst>
+                                    </p:anim>
+                                    <p:set>
+                                      <p:cBhvr>
+                                        <p:cTn id="14" dur="1" fill="hold">
+                                          <p:stCondLst>
+                                            <p:cond delay="499"/>
+                                          </p:stCondLst>
+                                        </p:cTn>
+                                        <p:tgtEl>
+                                          <p:spTgt spid="8"/>
+                                        </p:tgtEl>
+                                        <p:attrNameLst>
+                                          <p:attrName>style.visibility</p:attrName>
+                                        </p:attrNameLst>
+                                      </p:cBhvr>
+                                      <p:to>
+                                        <p:strVal val="hidden"/>
+                                      </p:to>
+                                    </p:set>
+                                  </p:childTnLst>
+                                </p:cTn>
+                              </p:par>
+                            </p:childTnLst>
+                          </p:cTn>
+                        </p:par>
+                      </p:childTnLst>
+                    </p:cTn>
+                  </p:par>
+                  <p:par>
+                    <p:cTn id="15" fill="hold">
+                      <p:stCondLst>
+                        <p:cond delay="indefinite"/>
+                      </p:stCondLst>
+                      <p:childTnLst>
+                        <p:par>
+                          <p:cTn id="16" fill="hold">
+                            <p:stCondLst>
+                              <p:cond delay="0"/>
+                            </p:stCondLst>
+                            <p:childTnLst>
+                              <p:par>
+                                <p:cTn id="17" presetID="2" presetClass="entr" presetSubtype="1" fill="hold" nodeType="clickEffect">
+                                  <p:stCondLst>
+                                    <p:cond delay="0"/>
+                                  </p:stCondLst>
+                                  <p:childTnLst>
+                                    <p:set>
+                                      <p:cBhvr>
+                                        <p:cTn id="18" dur="1" fill="hold">
+                                          <p:stCondLst>
+                                            <p:cond delay="0"/>
+                                          </p:stCondLst>
+                                        </p:cTn>
+                                        <p:tgtEl>
+                                          <p:spTgt spid="7"/>
+                                        </p:tgtEl>
+                                        <p:attrNameLst>
+                                          <p:attrName>style.visibility</p:attrName>
+                                        </p:attrNameLst>
+                                      </p:cBhvr>
+                                      <p:to>
+                                        <p:strVal val="visible"/>
+                                      </p:to>
+                                    </p:set>
+                                    <p:anim calcmode="lin" valueType="num">
+                                      <p:cBhvr additive="base">
+                                        <p:cTn id="19" dur="500" fill="hold"/>
+                                        <p:tgtEl>
+                                          <p:spTgt spid="7"/>
+                                        </p:tgtEl>
+                                        <p:attrNameLst>
+                                          <p:attrName>ppt_x</p:attrName>
+                                        </p:attrNameLst>
+                                      </p:cBhvr>
+                                      <p:tavLst>
+                                        <p:tav tm="0">
+                                          <p:val>
+                                            <p:strVal val="#ppt_x"/>
+                                          </p:val>
+                                        </p:tav>
+                                        <p:tav tm="100000">
+                                          <p:val>
+                                            <p:strVal val="#ppt_x"/>
+                                          </p:val>
+                                        </p:tav>
+                                      </p:tavLst>
+                                    </p:anim>
+                                    <p:anim calcmode="lin" valueType="num">
+                                      <p:cBhvr additive="base">
+                                        <p:cTn id="20" dur="500" fill="hold"/>
+                                        <p:tgtEl>
+                                          <p:spTgt spid="7"/>
+                                        </p:tgtEl>
+                                        <p:attrNameLst>
+                                          <p:attrName>ppt_y</p:attrName>
+                                        </p:attrNameLst>
+                                      </p:cBhvr>
+                                      <p:tavLst>
+                                        <p:tav tm="0">
+                                          <p:val>
+                                            <p:strVal val="0-#ppt_h/2"/>
+                                          </p:val>
+                                        </p:tav>
+                                        <p:tav tm="100000">
+                                          <p:val>
+                                            <p:strVal val="#ppt_y"/>
+                                          </p:val>
+                                        </p:tav>
+                                      </p:tavLst>
+                                    </p:anim>
+                                  </p:childTnLst>
+                                </p:cTn>
+                              </p:par>
+                            </p:childTnLst>
+                          </p:cTn>
+                        </p:par>
+                      </p:childTnLst>
+                    </p:cTn>
+                  </p:par>
+                  <p:par>
+                    <p:cTn id="21" fill="hold">
+                      <p:stCondLst>
+                        <p:cond delay="indefinite"/>
+                      </p:stCondLst>
+                      <p:childTnLst>
+                        <p:par>
+                          <p:cTn id="22" fill="hold">
+                            <p:stCondLst>
+                              <p:cond delay="0"/>
+                            </p:stCondLst>
+                            <p:childTnLst>
+                              <p:par>
+                                <p:cTn id="23" presetID="2" presetClass="exit" presetSubtype="4" fill="hold" nodeType="clickEffect">
+                                  <p:stCondLst>
+                                    <p:cond delay="3250"/>
+                                  </p:stCondLst>
+                                  <p:childTnLst>
+                                    <p:anim calcmode="lin" valueType="num">
+                                      <p:cBhvr additive="base">
+                                        <p:cTn id="24" dur="500"/>
+                                        <p:tgtEl>
+                                          <p:spTgt spid="7"/>
+                                        </p:tgtEl>
+                                        <p:attrNameLst>
+                                          <p:attrName>ppt_x</p:attrName>
+                                        </p:attrNameLst>
+                                      </p:cBhvr>
+                                      <p:tavLst>
+                                        <p:tav tm="0">
+                                          <p:val>
+                                            <p:strVal val="ppt_x"/>
+                                          </p:val>
+                                        </p:tav>
+                                        <p:tav tm="100000">
+                                          <p:val>
+                                            <p:strVal val="ppt_x"/>
+                                          </p:val>
+                                        </p:tav>
+                                      </p:tavLst>
+                                    </p:anim>
+                                    <p:anim calcmode="lin" valueType="num">
+                                      <p:cBhvr additive="base">
+                                        <p:cTn id="25" dur="500"/>
+                                        <p:tgtEl>
+                                          <p:spTgt spid="7"/>
+                                        </p:tgtEl>
+                                        <p:attrNameLst>
+                                          <p:attrName>ppt_y</p:attrName>
+                                        </p:attrNameLst>
+                                      </p:cBhvr>
+                                      <p:tavLst>
+                                        <p:tav tm="0">
+                                          <p:val>
+                                            <p:strVal val="ppt_y"/>
+                                          </p:val>
+                                        </p:tav>
+                                        <p:tav tm="100000">
+                                          <p:val>
+                                            <p:strVal val="1+ppt_h/2"/>
+                                          </p:val>
+                                        </p:tav>
+                                      </p:tavLst>
+                                    </p:anim>
+                                    <p:set>
+                                      <p:cBhvr>
+                                        <p:cTn id="26" dur="1" fill="hold">
+                                          <p:stCondLst>
+                                            <p:cond delay="499"/>
+                                          </p:stCondLst>
+                                        </p:cTn>
+                                        <p:tgtEl>
+                                          <p:spTgt spid="7"/>
+                                        </p:tgtEl>
+                                        <p:attrNameLst>
+                                          <p:attrName>style.visibility</p:attrName>
+                                        </p:attrNameLst>
+                                      </p:cBhvr>
+                                      <p:to>
+                                        <p:strVal val="hidden"/>
+                                      </p:to>
+                                    </p:set>
+                                  </p:childTnLst>
+                                </p:cTn>
+                              </p:par>
+                            </p:childTnLst>
+                          </p:cTn>
+                        </p:par>
+                      </p:childTnLst>
+                    </p:cTn>
+                  </p:par>
+                  <p:par>
+                    <p:cTn id="27" fill="hold">
+                      <p:stCondLst>
+                        <p:cond delay="indefinite"/>
+                      </p:stCondLst>
+                      <p:childTnLst>
+                        <p:par>
+                          <p:cTn id="28" fill="hold">
+                            <p:stCondLst>
+                              <p:cond delay="0"/>
+                            </p:stCondLst>
+                            <p:childTnLst>
+                              <p:par>
+                                <p:cTn id="29" presetID="2" presetClass="entr" presetSubtype="1" fill="hold" nodeType="clickEffect">
+                                  <p:stCondLst>
+                                    <p:cond delay="0"/>
+                                  </p:stCondLst>
+                                  <p:childTnLst>
+                                    <p:set>
+                                      <p:cBhvr>
+                                        <p:cTn id="30" dur="1" fill="hold">
+                                          <p:stCondLst>
+                                            <p:cond delay="0"/>
+                                          </p:stCondLst>
+                                        </p:cTn>
+                                        <p:tgtEl>
+                                          <p:spTgt spid="11"/>
+                                        </p:tgtEl>
+                                        <p:attrNameLst>
+                                          <p:attrName>style.visibility</p:attrName>
+                                        </p:attrNameLst>
+                                      </p:cBhvr>
+                                      <p:to>
+                                        <p:strVal val="visible"/>
+                                      </p:to>
+                                    </p:set>
+                                    <p:anim calcmode="lin" valueType="num">
+                                      <p:cBhvr additive="base">
+                                        <p:cTn id="31" dur="500" fill="hold"/>
+                                        <p:tgtEl>
+                                          <p:spTgt spid="11"/>
+                                        </p:tgtEl>
+                                        <p:attrNameLst>
+                                          <p:attrName>ppt_x</p:attrName>
+                                        </p:attrNameLst>
+                                      </p:cBhvr>
+                                      <p:tavLst>
+                                        <p:tav tm="0">
+                                          <p:val>
+                                            <p:strVal val="#ppt_x"/>
+                                          </p:val>
+                                        </p:tav>
+                                        <p:tav tm="100000">
+                                          <p:val>
+                                            <p:strVal val="#ppt_x"/>
+                                          </p:val>
+                                        </p:tav>
+                                      </p:tavLst>
+                                    </p:anim>
+                                    <p:anim calcmode="lin" valueType="num">
+                                      <p:cBhvr additive="base">
+                                        <p:cTn id="32" dur="500" fill="hold"/>
+                                        <p:tgtEl>
+                                          <p:spTgt spid="11"/>
+                                        </p:tgtEl>
+                                        <p:attrNameLst>
+                                          <p:attrName>ppt_y</p:attrName>
+                                        </p:attrNameLst>
+                                      </p:cBhvr>
+                                      <p:tavLst>
+                                        <p:tav tm="0">
+                                          <p:val>
+                                            <p:strVal val="0-#ppt_h/2"/>
+                                          </p:val>
+                                        </p:tav>
+                                        <p:tav tm="100000">
+                                          <p:val>
+                                            <p:strVal val="#ppt_y"/>
+                                          </p:val>
+                                        </p:tav>
+                                      </p:tavLst>
+                                    </p:anim>
+                                  </p:childTnLst>
+                                </p:cTn>
+                              </p:par>
+                            </p:childTnLst>
+                          </p:cTn>
+                        </p:par>
+                      </p:childTnLst>
+                    </p:cTn>
+                  </p:par>
+                  <p:par>
+                    <p:cTn id="33" fill="hold">
+                      <p:stCondLst>
+                        <p:cond delay="indefinite"/>
+                      </p:stCondLst>
+                      <p:childTnLst>
+                        <p:par>
+                          <p:cTn id="34" fill="hold">
+                            <p:stCondLst>
+                              <p:cond delay="0"/>
+                            </p:stCondLst>
+                            <p:childTnLst>
+                              <p:par>
+                                <p:cTn id="35" presetID="2" presetClass="exit" presetSubtype="4" fill="hold" nodeType="clickEffect">
+                                  <p:stCondLst>
+                                    <p:cond delay="3000"/>
+                                  </p:stCondLst>
+                                  <p:childTnLst>
+                                    <p:anim calcmode="lin" valueType="num">
+                                      <p:cBhvr additive="base">
+                                        <p:cTn id="36" dur="500"/>
+                                        <p:tgtEl>
+                                          <p:spTgt spid="11"/>
+                                        </p:tgtEl>
+                                        <p:attrNameLst>
+                                          <p:attrName>ppt_x</p:attrName>
+                                        </p:attrNameLst>
+                                      </p:cBhvr>
+                                      <p:tavLst>
+                                        <p:tav tm="0">
+                                          <p:val>
+                                            <p:strVal val="ppt_x"/>
+                                          </p:val>
+                                        </p:tav>
+                                        <p:tav tm="100000">
+                                          <p:val>
+                                            <p:strVal val="ppt_x"/>
+                                          </p:val>
+                                        </p:tav>
+                                      </p:tavLst>
+                                    </p:anim>
+                                    <p:anim calcmode="lin" valueType="num">
+                                      <p:cBhvr additive="base">
+                                        <p:cTn id="37" dur="500"/>
+                                        <p:tgtEl>
+                                          <p:spTgt spid="11"/>
+                                        </p:tgtEl>
+                                        <p:attrNameLst>
+                                          <p:attrName>ppt_y</p:attrName>
+                                        </p:attrNameLst>
+                                      </p:cBhvr>
+                                      <p:tavLst>
+                                        <p:tav tm="0">
+                                          <p:val>
+                                            <p:strVal val="ppt_y"/>
+                                          </p:val>
+                                        </p:tav>
+                                        <p:tav tm="100000">
+                                          <p:val>
+                                            <p:strVal val="1+ppt_h/2"/>
+                                          </p:val>
+                                        </p:tav>
+                                      </p:tavLst>
+                                    </p:anim>
+                                    <p:set>
+                                      <p:cBhvr>
+                                        <p:cTn id="38" dur="1" fill="hold">
+                                          <p:stCondLst>
+                                            <p:cond delay="499"/>
+                                          </p:stCondLst>
+                                        </p:cTn>
+                                        <p:tgtEl>
+                                          <p:spTgt spid="11"/>
+                                        </p:tgtEl>
+                                        <p:attrNameLst>
+                                          <p:attrName>style.visibility</p:attrName>
+                                        </p:attrNameLst>
+                                      </p:cBhvr>
+                                      <p:to>
+                                        <p:strVal val="hidden"/>
+                                      </p:to>
+                                    </p:set>
+                                  </p:childTnLst>
+                                </p:cTn>
+                              </p:par>
+                            </p:childTnLst>
+                          </p:cTn>
+                        </p:par>
+                      </p:childTnLst>
+                    </p:cTn>
+                  </p:par>
+                  <p:par>
+                    <p:cTn id="39" fill="hold">
+                      <p:stCondLst>
+                        <p:cond delay="indefinite"/>
+                      </p:stCondLst>
+                      <p:childTnLst>
+                        <p:par>
+                          <p:cTn id="40" fill="hold">
+                            <p:stCondLst>
+                              <p:cond delay="0"/>
+                            </p:stCondLst>
+                            <p:childTnLst>
+                              <p:par>
+                                <p:cTn id="41" presetID="2" presetClass="entr" presetSubtype="1" fill="hold" nodeType="clickEffect">
+                                  <p:stCondLst>
+                                    <p:cond delay="0"/>
+                                  </p:stCondLst>
+                                  <p:childTnLst>
+                                    <p:set>
+                                      <p:cBhvr>
+                                        <p:cTn id="42" dur="1" fill="hold">
+                                          <p:stCondLst>
+                                            <p:cond delay="0"/>
+                                          </p:stCondLst>
+                                        </p:cTn>
+                                        <p:tgtEl>
+                                          <p:spTgt spid="9"/>
+                                        </p:tgtEl>
+                                        <p:attrNameLst>
+                                          <p:attrName>style.visibility</p:attrName>
+                                        </p:attrNameLst>
+                                      </p:cBhvr>
+                                      <p:to>
+                                        <p:strVal val="visible"/>
+                                      </p:to>
+                                    </p:set>
+                                    <p:anim calcmode="lin" valueType="num">
+                                      <p:cBhvr additive="base">
+                                        <p:cTn id="43" dur="500" fill="hold"/>
+                                        <p:tgtEl>
+                                          <p:spTgt spid="9"/>
+                                        </p:tgtEl>
+                                        <p:attrNameLst>
+                                          <p:attrName>ppt_x</p:attrName>
+                                        </p:attrNameLst>
+                                      </p:cBhvr>
+                                      <p:tavLst>
+                                        <p:tav tm="0">
+                                          <p:val>
+                                            <p:strVal val="#ppt_x"/>
+                                          </p:val>
+                                        </p:tav>
+                                        <p:tav tm="100000">
+                                          <p:val>
+                                            <p:strVal val="#ppt_x"/>
+                                          </p:val>
+                                        </p:tav>
+                                      </p:tavLst>
+                                    </p:anim>
+                                    <p:anim calcmode="lin" valueType="num">
+                                      <p:cBhvr additive="base">
+                                        <p:cTn id="44" dur="500" fill="hold"/>
+                                        <p:tgtEl>
+                                          <p:spTgt spid="9"/>
+                                        </p:tgtEl>
+                                        <p:attrNameLst>
+                                          <p:attrName>ppt_y</p:attrName>
+                                        </p:attrNameLst>
+                                      </p:cBhvr>
+                                      <p:tavLst>
+                                        <p:tav tm="0">
+                                          <p:val>
+                                            <p:strVal val="0-#ppt_h/2"/>
+                                          </p:val>
+                                        </p:tav>
+                                        <p:tav tm="100000">
+                                          <p:val>
+                                            <p:strVal val="#ppt_y"/>
+                                          </p:val>
+                                        </p:tav>
+                                      </p:tavLst>
+                                    </p:anim>
+                                  </p:childTnLst>
+                                </p:cTn>
+                              </p:par>
+                            </p:childTnLst>
+                          </p:cTn>
+                        </p:par>
+                      </p:childTnLst>
+                    </p:cTn>
+                  </p:par>
+                  <p:par>
+                    <p:cTn id="45" fill="hold">
+                      <p:stCondLst>
+                        <p:cond delay="indefinite"/>
+                      </p:stCondLst>
+                      <p:childTnLst>
+                        <p:par>
+                          <p:cTn id="46" fill="hold">
+                            <p:stCondLst>
+                              <p:cond delay="0"/>
+                            </p:stCondLst>
+                            <p:childTnLst>
+                              <p:par>
+                                <p:cTn id="47" presetID="2" presetClass="exit" presetSubtype="4" fill="hold" nodeType="clickEffect">
+                                  <p:stCondLst>
+                                    <p:cond delay="3250"/>
+                                  </p:stCondLst>
+                                  <p:childTnLst>
+                                    <p:anim calcmode="lin" valueType="num">
+                                      <p:cBhvr additive="base">
+                                        <p:cTn id="48" dur="500"/>
+                                        <p:tgtEl>
+                                          <p:spTgt spid="9"/>
+                                        </p:tgtEl>
+                                        <p:attrNameLst>
+                                          <p:attrName>ppt_x</p:attrName>
+                                        </p:attrNameLst>
+                                      </p:cBhvr>
+                                      <p:tavLst>
+                                        <p:tav tm="0">
+                                          <p:val>
+                                            <p:strVal val="ppt_x"/>
+                                          </p:val>
+                                        </p:tav>
+                                        <p:tav tm="100000">
+                                          <p:val>
+                                            <p:strVal val="ppt_x"/>
+                                          </p:val>
+                                        </p:tav>
+                                      </p:tavLst>
+                                    </p:anim>
+                                    <p:anim calcmode="lin" valueType="num">
+                                      <p:cBhvr additive="base">
+                                        <p:cTn id="49" dur="500"/>
+                                        <p:tgtEl>
+                                          <p:spTgt spid="9"/>
+                                        </p:tgtEl>
+                                        <p:attrNameLst>
+                                          <p:attrName>ppt_y</p:attrName>
+                                        </p:attrNameLst>
+                                      </p:cBhvr>
+                                      <p:tavLst>
+                                        <p:tav tm="0">
+                                          <p:val>
+                                            <p:strVal val="ppt_y"/>
+                                          </p:val>
+                                        </p:tav>
+                                        <p:tav tm="100000">
+                                          <p:val>
+                                            <p:strVal val="1+ppt_h/2"/>
+                                          </p:val>
+                                        </p:tav>
+                                      </p:tavLst>
+                                    </p:anim>
+                                    <p:set>
+                                      <p:cBhvr>
+                                        <p:cTn id="50" dur="1" fill="hold">
+                                          <p:stCondLst>
+                                            <p:cond delay="499"/>
+                                          </p:stCondLst>
+                                        </p:cTn>
+                                        <p:tgtEl>
+                                          <p:spTgt spid="9"/>
+                                        </p:tgtEl>
+                                        <p:attrNameLst>
+                                          <p:attrName>style.visibility</p:attrName>
+                                        </p:attrNameLst>
+                                      </p:cBhvr>
+                                      <p:to>
+                                        <p:strVal val="hidden"/>
+                                      </p:to>
+                                    </p:set>
+                                  </p:childTnLst>
+                                </p:cTn>
+                              </p:par>
+                            </p:childTnLst>
+                          </p:cTn>
+                        </p:par>
+                      </p:childTnLst>
+                    </p:cTn>
+                  </p:par>
+                </p:childTnLst>
+              </p:cTn>
+              <p:prevCondLst>
+                <p:cond evt="onPrev" delay="0">
+                  <p:tgtEl>
+                    <p:sldTgt/>
+                  </p:tgtEl>
+                </p:cond>
+              </p:prevCondLst>
+              <p:nextCondLst>
+                <p:cond evt="onNext" delay="0">
+                  <p:tgtEl>
+                    <p:sldTgt/>
+                  </p:tgtEl>
+                </p:cond>
+              </p:nextCondLst>
+            </p:seq>
+          </p:childTnLst>
+        </p:cTn>
+      </p:par>
+    </p:tnLst>
+  </p:timing>
 </p:sld>
 </file>
 
@@ -4544,11 +6510,17 @@
             <p:ph type="title"/>
           </p:nvPr>
         </p:nvSpPr>
-        <p:spPr/>
+        <p:spPr>
+          <a:xfrm>
+            <a:off x="1143000" y="609600"/>
+            <a:ext cx="9875520" cy="955589"/>
+          </a:xfrm>
+        </p:spPr>
         <p:txBody>
           <a:bodyPr/>
           <a:lstStyle/>
           <a:p>
+            <a:pPr algn="ctr"/>
             <a:r>
               <a:rPr lang="en-GB" dirty="0" err="1"/>
               <a:t>Vezetői</a:t>
@@ -4561,96 +6533,7 @@
               <a:rPr lang="en-GB" dirty="0" err="1"/>
               <a:t>tesztjelentés</a:t>
             </a:r>
-            <a:r>
-              <a:rPr lang="en-GB" dirty="0"/>
-              <a:t> </a:t>
-            </a:r>
-            <a:r>
-              <a:rPr lang="en-GB" dirty="0" err="1"/>
-              <a:t>képernyőkép</a:t>
-            </a:r>
-            <a:r>
-              <a:rPr lang="en-GB" dirty="0"/>
-              <a:t> </a:t>
-            </a:r>
-            <a:r>
-              <a:rPr lang="en-GB" dirty="0" err="1"/>
-              <a:t>és</a:t>
-            </a:r>
-            <a:r>
-              <a:rPr lang="en-GB" dirty="0"/>
-              <a:t> </a:t>
-            </a:r>
-            <a:r>
-              <a:rPr lang="en-GB" dirty="0" err="1"/>
-              <a:t>egy</a:t>
-            </a:r>
-            <a:r>
-              <a:rPr lang="en-GB" dirty="0"/>
-              <a:t> </a:t>
-            </a:r>
-            <a:r>
-              <a:rPr lang="en-GB" dirty="0" err="1"/>
-              <a:t>hivatkozás</a:t>
-            </a:r>
             <a:endParaRPr lang="en-GB" dirty="0"/>
-          </a:p>
-        </p:txBody>
-      </p:sp>
-      <p:sp>
-        <p:nvSpPr>
-          <p:cNvPr id="4" name="Footer Placeholder 3">
-            <a:extLst>
-              <a:ext uri="{FF2B5EF4-FFF2-40B4-BE49-F238E27FC236}">
-                <a16:creationId xmlns:a16="http://schemas.microsoft.com/office/drawing/2014/main" id="{EE4E8EB8-545C-4BBF-8C8B-F33F6065CCE1}"/>
-              </a:ext>
-            </a:extLst>
-          </p:cNvPr>
-          <p:cNvSpPr>
-            <a:spLocks noGrp="1"/>
-          </p:cNvSpPr>
-          <p:nvPr>
-            <p:ph type="ftr" sz="quarter" idx="11"/>
-          </p:nvPr>
-        </p:nvSpPr>
-        <p:spPr/>
-        <p:txBody>
-          <a:bodyPr/>
-          <a:lstStyle/>
-          <a:p>
-            <a:r>
-              <a:rPr lang="en-GB"/>
-              <a:t>Bazsalya András - Junior automatizált tesztelő vizsgaremek</a:t>
-            </a:r>
-          </a:p>
-        </p:txBody>
-      </p:sp>
-      <p:sp>
-        <p:nvSpPr>
-          <p:cNvPr id="5" name="Slide Number Placeholder 4">
-            <a:extLst>
-              <a:ext uri="{FF2B5EF4-FFF2-40B4-BE49-F238E27FC236}">
-                <a16:creationId xmlns:a16="http://schemas.microsoft.com/office/drawing/2014/main" id="{C052128D-4774-458B-B0F3-32DE0D97A8CC}"/>
-              </a:ext>
-            </a:extLst>
-          </p:cNvPr>
-          <p:cNvSpPr>
-            <a:spLocks noGrp="1"/>
-          </p:cNvSpPr>
-          <p:nvPr>
-            <p:ph type="sldNum" sz="quarter" idx="12"/>
-          </p:nvPr>
-        </p:nvSpPr>
-        <p:spPr/>
-        <p:txBody>
-          <a:bodyPr/>
-          <a:lstStyle/>
-          <a:p>
-            <a:fld id="{3D09CA9B-C7F6-45A1-8B71-F94077786661}" type="slidenum">
-              <a:rPr lang="en-GB" smtClean="0"/>
-              <a:t>4</a:t>
-            </a:fld>
-            <a:endParaRPr lang="en-GB"/>
           </a:p>
         </p:txBody>
       </p:sp>
@@ -4678,50 +6561,139 @@
         </p:blipFill>
         <p:spPr>
           <a:xfrm>
-            <a:off x="1015249" y="2693773"/>
-            <a:ext cx="5080751" cy="3097428"/>
+            <a:off x="1015250" y="2166551"/>
+            <a:ext cx="4751582" cy="3270422"/>
           </a:xfrm>
           <a:prstGeom prst="rect">
             <a:avLst/>
           </a:prstGeom>
         </p:spPr>
       </p:pic>
-      <p:pic>
-        <p:nvPicPr>
-          <p:cNvPr id="12" name="Kép 11">
+      <p:sp>
+        <p:nvSpPr>
+          <p:cNvPr id="4" name="Footer Placeholder 3">
             <a:extLst>
               <a:ext uri="{FF2B5EF4-FFF2-40B4-BE49-F238E27FC236}">
-                <a16:creationId xmlns:a16="http://schemas.microsoft.com/office/drawing/2014/main" id="{E134DD21-2E0C-41DB-A13E-C6F264865D9B}"/>
+                <a16:creationId xmlns:a16="http://schemas.microsoft.com/office/drawing/2014/main" id="{EE4E8EB8-545C-4BBF-8C8B-F33F6065CCE1}"/>
               </a:ext>
             </a:extLst>
           </p:cNvPr>
-          <p:cNvPicPr>
-            <a:picLocks noChangeAspect="1"/>
-          </p:cNvPicPr>
+          <p:cNvSpPr>
+            <a:spLocks noGrp="1"/>
+          </p:cNvSpPr>
+          <p:nvPr>
+            <p:ph type="ftr" sz="quarter" idx="11"/>
+          </p:nvPr>
+        </p:nvSpPr>
+        <p:spPr/>
+        <p:txBody>
+          <a:bodyPr/>
+          <a:lstStyle/>
+          <a:p>
+            <a:r>
+              <a:rPr lang="en-GB"/>
+              <a:t>Bazsalya András - Junior automatizált tesztelő vizsgaremek</a:t>
+            </a:r>
+          </a:p>
+        </p:txBody>
+      </p:sp>
+      <p:sp>
+        <p:nvSpPr>
+          <p:cNvPr id="5" name="Slide Number Placeholder 4">
+            <a:extLst>
+              <a:ext uri="{FF2B5EF4-FFF2-40B4-BE49-F238E27FC236}">
+                <a16:creationId xmlns:a16="http://schemas.microsoft.com/office/drawing/2014/main" id="{C052128D-4774-458B-B0F3-32DE0D97A8CC}"/>
+              </a:ext>
+            </a:extLst>
+          </p:cNvPr>
+          <p:cNvSpPr>
+            <a:spLocks noGrp="1"/>
+          </p:cNvSpPr>
+          <p:nvPr>
+            <p:ph type="sldNum" sz="quarter" idx="12"/>
+          </p:nvPr>
+        </p:nvSpPr>
+        <p:spPr/>
+        <p:txBody>
+          <a:bodyPr/>
+          <a:lstStyle/>
+          <a:p>
+            <a:fld id="{3D09CA9B-C7F6-45A1-8B71-F94077786661}" type="slidenum">
+              <a:rPr lang="en-GB" smtClean="0"/>
+              <a:t>4</a:t>
+            </a:fld>
+            <a:endParaRPr lang="en-GB"/>
+          </a:p>
+        </p:txBody>
+      </p:sp>
+      <p:sp>
+        <p:nvSpPr>
+          <p:cNvPr id="8" name="Szövegdoboz 7">
+            <a:extLst>
+              <a:ext uri="{FF2B5EF4-FFF2-40B4-BE49-F238E27FC236}">
+                <a16:creationId xmlns:a16="http://schemas.microsoft.com/office/drawing/2014/main" id="{3FBA354C-BC7C-493E-B4DD-47B38E563489}"/>
+              </a:ext>
+            </a:extLst>
+          </p:cNvPr>
+          <p:cNvSpPr txBox="1"/>
           <p:nvPr/>
-        </p:nvPicPr>
-        <p:blipFill>
-          <a:blip r:embed="rId3"/>
-          <a:stretch>
-            <a:fillRect/>
-          </a:stretch>
-        </p:blipFill>
+        </p:nvSpPr>
         <p:spPr>
           <a:xfrm>
-            <a:off x="6178378" y="2693773"/>
-            <a:ext cx="4840142" cy="3097428"/>
+            <a:off x="2246046" y="5548388"/>
+            <a:ext cx="7669427" cy="369332"/>
           </a:xfrm>
           <a:prstGeom prst="rect">
             <a:avLst/>
           </a:prstGeom>
+          <a:noFill/>
         </p:spPr>
-      </p:pic>
+        <p:txBody>
+          <a:bodyPr wrap="square">
+            <a:spAutoFit/>
+          </a:bodyPr>
+          <a:lstStyle/>
+          <a:p>
+            <a:pPr algn="ctr"/>
+            <a:r>
+              <a:rPr lang="hu-HU" dirty="0" err="1">
+                <a:solidFill>
+                  <a:schemeClr val="accent1"/>
+                </a:solidFill>
+              </a:rPr>
+              <a:t>Repository</a:t>
+            </a:r>
+            <a:r>
+              <a:rPr lang="hu-HU" dirty="0">
+                <a:solidFill>
+                  <a:schemeClr val="accent1"/>
+                </a:solidFill>
+              </a:rPr>
+              <a:t> URL: </a:t>
+            </a:r>
+            <a:r>
+              <a:rPr lang="hu-HU" dirty="0">
+                <a:solidFill>
+                  <a:schemeClr val="accent1"/>
+                </a:solidFill>
+                <a:hlinkClick r:id="rId3"/>
+              </a:rPr>
+              <a:t>https://andysmagicrepo.github.io/conduit/16/</a:t>
+            </a:r>
+            <a:endParaRPr lang="hu-HU" dirty="0">
+              <a:solidFill>
+                <a:schemeClr val="accent1"/>
+              </a:solidFill>
+            </a:endParaRPr>
+          </a:p>
+        </p:txBody>
+      </p:sp>
       <p:pic>
         <p:nvPicPr>
-          <p:cNvPr id="16" name="Kép 15">
+          <p:cNvPr id="7" name="Kép 6">
             <a:extLst>
               <a:ext uri="{FF2B5EF4-FFF2-40B4-BE49-F238E27FC236}">
-                <a16:creationId xmlns:a16="http://schemas.microsoft.com/office/drawing/2014/main" id="{400D0492-65AA-43F9-AD2C-FFE77EDF9718}"/>
+                <a16:creationId xmlns:a16="http://schemas.microsoft.com/office/drawing/2014/main" id="{FB32049C-168D-4B51-84CB-37BE50F76FBB}"/>
               </a:ext>
             </a:extLst>
           </p:cNvPr>
@@ -4738,14 +6710,112 @@
         </p:blipFill>
         <p:spPr>
           <a:xfrm>
-            <a:off x="2735090" y="2091741"/>
-            <a:ext cx="6886575" cy="476250"/>
+            <a:off x="5972431" y="2166551"/>
+            <a:ext cx="5046089" cy="3270422"/>
           </a:xfrm>
           <a:prstGeom prst="rect">
             <a:avLst/>
           </a:prstGeom>
         </p:spPr>
       </p:pic>
+      <p:sp>
+        <p:nvSpPr>
+          <p:cNvPr id="9" name="Szövegdoboz 8">
+            <a:extLst>
+              <a:ext uri="{FF2B5EF4-FFF2-40B4-BE49-F238E27FC236}">
+                <a16:creationId xmlns:a16="http://schemas.microsoft.com/office/drawing/2014/main" id="{0ADB8EA8-8850-4AEF-9F89-A8C2B562437B}"/>
+              </a:ext>
+            </a:extLst>
+          </p:cNvPr>
+          <p:cNvSpPr txBox="1"/>
+          <p:nvPr/>
+        </p:nvSpPr>
+        <p:spPr>
+          <a:xfrm>
+            <a:off x="1015250" y="1747359"/>
+            <a:ext cx="4751582" cy="307777"/>
+          </a:xfrm>
+          <a:prstGeom prst="rect">
+            <a:avLst/>
+          </a:prstGeom>
+          <a:noFill/>
+        </p:spPr>
+        <p:txBody>
+          <a:bodyPr wrap="square" rtlCol="0">
+            <a:spAutoFit/>
+          </a:bodyPr>
+          <a:lstStyle/>
+          <a:p>
+            <a:pPr algn="ctr"/>
+            <a:r>
+              <a:rPr lang="hu-HU" sz="1400" dirty="0" err="1"/>
+              <a:t>Allure</a:t>
+            </a:r>
+            <a:r>
+              <a:rPr lang="hu-HU" sz="1400" dirty="0"/>
+              <a:t> </a:t>
+            </a:r>
+            <a:r>
+              <a:rPr lang="hu-HU" sz="1400" dirty="0" err="1"/>
+              <a:t>report</a:t>
+            </a:r>
+            <a:r>
+              <a:rPr lang="hu-HU" sz="1400" dirty="0"/>
+              <a:t> összesített teszt futtatásainak eredménye:</a:t>
+            </a:r>
+          </a:p>
+        </p:txBody>
+      </p:sp>
+      <p:sp>
+        <p:nvSpPr>
+          <p:cNvPr id="13" name="Szövegdoboz 12">
+            <a:extLst>
+              <a:ext uri="{FF2B5EF4-FFF2-40B4-BE49-F238E27FC236}">
+                <a16:creationId xmlns:a16="http://schemas.microsoft.com/office/drawing/2014/main" id="{DFE7EE05-7698-4BCB-B438-6051CA982BD0}"/>
+              </a:ext>
+            </a:extLst>
+          </p:cNvPr>
+          <p:cNvSpPr txBox="1"/>
+          <p:nvPr/>
+        </p:nvSpPr>
+        <p:spPr>
+          <a:xfrm>
+            <a:off x="5972432" y="1717408"/>
+            <a:ext cx="5063316" cy="307777"/>
+          </a:xfrm>
+          <a:prstGeom prst="rect">
+            <a:avLst/>
+          </a:prstGeom>
+          <a:noFill/>
+        </p:spPr>
+        <p:txBody>
+          <a:bodyPr wrap="square" rtlCol="0">
+            <a:spAutoFit/>
+          </a:bodyPr>
+          <a:lstStyle>
+            <a:defPPr>
+              <a:defRPr lang="en-US"/>
+            </a:defPPr>
+            <a:lvl1pPr algn="ctr">
+              <a:defRPr sz="1400"/>
+            </a:lvl1pPr>
+          </a:lstStyle>
+          <a:p>
+            <a:r>
+              <a:rPr lang="hu-HU" dirty="0"/>
+              <a:t>A „</a:t>
+            </a:r>
+            <a:r>
+              <a:rPr lang="hu-HU" dirty="0" err="1"/>
+              <a:t>test_a_login_logout</a:t>
+            </a:r>
+            <a:r>
+              <a:rPr lang="hu-HU" dirty="0"/>
+              <a:t>” teszt kiírásai a standard kimenetre :</a:t>
+            </a:r>
+          </a:p>
+        </p:txBody>
+      </p:sp>
     </p:spTree>
     <p:extLst>
       <p:ext uri="{BB962C8B-B14F-4D97-AF65-F5344CB8AC3E}">
@@ -4756,6 +6826,282 @@
   <p:clrMapOvr>
     <a:masterClrMapping/>
   </p:clrMapOvr>
+  <mc:AlternateContent xmlns:mc="http://schemas.openxmlformats.org/markup-compatibility/2006">
+    <mc:Choice xmlns:p14="http://schemas.microsoft.com/office/powerpoint/2010/main" Requires="p14">
+      <p:transition spd="slow" p14:dur="3400">
+        <p14:reveal/>
+      </p:transition>
+    </mc:Choice>
+    <mc:Fallback>
+      <p:transition spd="slow">
+        <p:fade/>
+      </p:transition>
+    </mc:Fallback>
+  </mc:AlternateContent>
+  <p:timing>
+    <p:tnLst>
+      <p:par>
+        <p:cTn id="1" dur="indefinite" restart="never" nodeType="tmRoot">
+          <p:childTnLst>
+            <p:seq concurrent="1" nextAc="seek">
+              <p:cTn id="2" dur="indefinite" nodeType="mainSeq">
+                <p:childTnLst>
+                  <p:par>
+                    <p:cTn id="3" fill="hold">
+                      <p:stCondLst>
+                        <p:cond delay="indefinite"/>
+                      </p:stCondLst>
+                      <p:childTnLst>
+                        <p:par>
+                          <p:cTn id="4" fill="hold">
+                            <p:stCondLst>
+                              <p:cond delay="0"/>
+                            </p:stCondLst>
+                            <p:childTnLst>
+                              <p:par>
+                                <p:cTn id="5" presetID="16" presetClass="entr" presetSubtype="21" fill="hold" grpId="0" nodeType="clickEffect">
+                                  <p:stCondLst>
+                                    <p:cond delay="0"/>
+                                  </p:stCondLst>
+                                  <p:childTnLst>
+                                    <p:set>
+                                      <p:cBhvr>
+                                        <p:cTn id="6" dur="1" fill="hold">
+                                          <p:stCondLst>
+                                            <p:cond delay="0"/>
+                                          </p:stCondLst>
+                                        </p:cTn>
+                                        <p:tgtEl>
+                                          <p:spTgt spid="9"/>
+                                        </p:tgtEl>
+                                        <p:attrNameLst>
+                                          <p:attrName>style.visibility</p:attrName>
+                                        </p:attrNameLst>
+                                      </p:cBhvr>
+                                      <p:to>
+                                        <p:strVal val="visible"/>
+                                      </p:to>
+                                    </p:set>
+                                    <p:animEffect transition="in" filter="barn(inVertical)">
+                                      <p:cBhvr>
+                                        <p:cTn id="7" dur="500"/>
+                                        <p:tgtEl>
+                                          <p:spTgt spid="9"/>
+                                        </p:tgtEl>
+                                      </p:cBhvr>
+                                    </p:animEffect>
+                                  </p:childTnLst>
+                                </p:cTn>
+                              </p:par>
+                              <p:par>
+                                <p:cTn id="8" presetID="16" presetClass="entr" presetSubtype="21" fill="hold" nodeType="withEffect">
+                                  <p:stCondLst>
+                                    <p:cond delay="0"/>
+                                  </p:stCondLst>
+                                  <p:childTnLst>
+                                    <p:set>
+                                      <p:cBhvr>
+                                        <p:cTn id="9" dur="1" fill="hold">
+                                          <p:stCondLst>
+                                            <p:cond delay="0"/>
+                                          </p:stCondLst>
+                                        </p:cTn>
+                                        <p:tgtEl>
+                                          <p:spTgt spid="6"/>
+                                        </p:tgtEl>
+                                        <p:attrNameLst>
+                                          <p:attrName>style.visibility</p:attrName>
+                                        </p:attrNameLst>
+                                      </p:cBhvr>
+                                      <p:to>
+                                        <p:strVal val="visible"/>
+                                      </p:to>
+                                    </p:set>
+                                    <p:animEffect transition="in" filter="barn(inVertical)">
+                                      <p:cBhvr>
+                                        <p:cTn id="10" dur="500"/>
+                                        <p:tgtEl>
+                                          <p:spTgt spid="6"/>
+                                        </p:tgtEl>
+                                      </p:cBhvr>
+                                    </p:animEffect>
+                                  </p:childTnLst>
+                                </p:cTn>
+                              </p:par>
+                            </p:childTnLst>
+                          </p:cTn>
+                        </p:par>
+                      </p:childTnLst>
+                    </p:cTn>
+                  </p:par>
+                  <p:par>
+                    <p:cTn id="11" fill="hold">
+                      <p:stCondLst>
+                        <p:cond delay="indefinite"/>
+                      </p:stCondLst>
+                      <p:childTnLst>
+                        <p:par>
+                          <p:cTn id="12" fill="hold">
+                            <p:stCondLst>
+                              <p:cond delay="0"/>
+                            </p:stCondLst>
+                            <p:childTnLst>
+                              <p:par>
+                                <p:cTn id="13" presetID="16" presetClass="entr" presetSubtype="21" fill="hold" grpId="0" nodeType="clickEffect">
+                                  <p:stCondLst>
+                                    <p:cond delay="0"/>
+                                  </p:stCondLst>
+                                  <p:childTnLst>
+                                    <p:set>
+                                      <p:cBhvr>
+                                        <p:cTn id="14" dur="1" fill="hold">
+                                          <p:stCondLst>
+                                            <p:cond delay="0"/>
+                                          </p:stCondLst>
+                                        </p:cTn>
+                                        <p:tgtEl>
+                                          <p:spTgt spid="13"/>
+                                        </p:tgtEl>
+                                        <p:attrNameLst>
+                                          <p:attrName>style.visibility</p:attrName>
+                                        </p:attrNameLst>
+                                      </p:cBhvr>
+                                      <p:to>
+                                        <p:strVal val="visible"/>
+                                      </p:to>
+                                    </p:set>
+                                    <p:animEffect transition="in" filter="barn(inVertical)">
+                                      <p:cBhvr>
+                                        <p:cTn id="15" dur="500"/>
+                                        <p:tgtEl>
+                                          <p:spTgt spid="13"/>
+                                        </p:tgtEl>
+                                      </p:cBhvr>
+                                    </p:animEffect>
+                                  </p:childTnLst>
+                                </p:cTn>
+                              </p:par>
+                              <p:par>
+                                <p:cTn id="16" presetID="16" presetClass="entr" presetSubtype="21" fill="hold" nodeType="withEffect">
+                                  <p:stCondLst>
+                                    <p:cond delay="0"/>
+                                  </p:stCondLst>
+                                  <p:childTnLst>
+                                    <p:set>
+                                      <p:cBhvr>
+                                        <p:cTn id="17" dur="1" fill="hold">
+                                          <p:stCondLst>
+                                            <p:cond delay="0"/>
+                                          </p:stCondLst>
+                                        </p:cTn>
+                                        <p:tgtEl>
+                                          <p:spTgt spid="7"/>
+                                        </p:tgtEl>
+                                        <p:attrNameLst>
+                                          <p:attrName>style.visibility</p:attrName>
+                                        </p:attrNameLst>
+                                      </p:cBhvr>
+                                      <p:to>
+                                        <p:strVal val="visible"/>
+                                      </p:to>
+                                    </p:set>
+                                    <p:animEffect transition="in" filter="barn(inVertical)">
+                                      <p:cBhvr>
+                                        <p:cTn id="18" dur="500"/>
+                                        <p:tgtEl>
+                                          <p:spTgt spid="7"/>
+                                        </p:tgtEl>
+                                      </p:cBhvr>
+                                    </p:animEffect>
+                                  </p:childTnLst>
+                                </p:cTn>
+                              </p:par>
+                            </p:childTnLst>
+                          </p:cTn>
+                        </p:par>
+                      </p:childTnLst>
+                    </p:cTn>
+                  </p:par>
+                  <p:par>
+                    <p:cTn id="19" fill="hold">
+                      <p:stCondLst>
+                        <p:cond delay="indefinite"/>
+                      </p:stCondLst>
+                      <p:childTnLst>
+                        <p:par>
+                          <p:cTn id="20" fill="hold">
+                            <p:stCondLst>
+                              <p:cond delay="0"/>
+                            </p:stCondLst>
+                            <p:childTnLst>
+                              <p:par>
+                                <p:cTn id="21" presetID="16" presetClass="entr" presetSubtype="21" fill="hold" grpId="0" nodeType="clickEffect">
+                                  <p:stCondLst>
+                                    <p:cond delay="0"/>
+                                  </p:stCondLst>
+                                  <p:childTnLst>
+                                    <p:set>
+                                      <p:cBhvr>
+                                        <p:cTn id="22" dur="1" fill="hold">
+                                          <p:stCondLst>
+                                            <p:cond delay="0"/>
+                                          </p:stCondLst>
+                                        </p:cTn>
+                                        <p:tgtEl>
+                                          <p:spTgt spid="8"/>
+                                        </p:tgtEl>
+                                        <p:attrNameLst>
+                                          <p:attrName>style.visibility</p:attrName>
+                                        </p:attrNameLst>
+                                      </p:cBhvr>
+                                      <p:to>
+                                        <p:strVal val="visible"/>
+                                      </p:to>
+                                    </p:set>
+                                    <p:animEffect transition="in" filter="barn(inVertical)">
+                                      <p:cBhvr>
+                                        <p:cTn id="23" dur="600"/>
+                                        <p:tgtEl>
+                                          <p:spTgt spid="8"/>
+                                        </p:tgtEl>
+                                      </p:cBhvr>
+                                    </p:animEffect>
+                                  </p:childTnLst>
+                                </p:cTn>
+                              </p:par>
+                            </p:childTnLst>
+                          </p:cTn>
+                        </p:par>
+                      </p:childTnLst>
+                    </p:cTn>
+                  </p:par>
+                </p:childTnLst>
+              </p:cTn>
+              <p:prevCondLst>
+                <p:cond evt="onPrev" delay="0">
+                  <p:tgtEl>
+                    <p:sldTgt/>
+                  </p:tgtEl>
+                </p:cond>
+              </p:prevCondLst>
+              <p:nextCondLst>
+                <p:cond evt="onNext" delay="0">
+                  <p:tgtEl>
+                    <p:sldTgt/>
+                  </p:tgtEl>
+                </p:cond>
+              </p:nextCondLst>
+            </p:seq>
+          </p:childTnLst>
+        </p:cTn>
+      </p:par>
+    </p:tnLst>
+    <p:bldLst>
+      <p:bldP spid="8" grpId="0"/>
+      <p:bldP spid="9" grpId="0"/>
+      <p:bldP spid="13" grpId="0"/>
+    </p:bldLst>
+  </p:timing>
 </p:sld>
 </file>
 
@@ -4794,7 +7140,7 @@
         </p:nvSpPr>
         <p:spPr>
           <a:xfrm>
-            <a:off x="1702293" y="2358501"/>
+            <a:off x="1134137" y="2358501"/>
             <a:ext cx="9875520" cy="1356360"/>
           </a:xfrm>
         </p:spPr>
@@ -4829,7 +7175,7 @@
         </p:nvSpPr>
         <p:spPr>
           <a:xfrm>
-            <a:off x="1054223" y="4215119"/>
+            <a:off x="1162876" y="4215119"/>
             <a:ext cx="9872871" cy="676922"/>
           </a:xfrm>
         </p:spPr>
@@ -4915,97 +7261,74 @@
   <p:clrMapOvr>
     <a:masterClrMapping/>
   </p:clrMapOvr>
+  <mc:AlternateContent xmlns:mc="http://schemas.openxmlformats.org/markup-compatibility/2006">
+    <mc:Choice xmlns:p14="http://schemas.microsoft.com/office/powerpoint/2010/main" Requires="p14">
+      <p:transition spd="slow" p14:dur="3400">
+        <p14:reveal/>
+      </p:transition>
+    </mc:Choice>
+    <mc:Fallback>
+      <p:transition spd="slow">
+        <p:fade/>
+      </p:transition>
+    </mc:Fallback>
+  </mc:AlternateContent>
 </p:sld>
 </file>
 
 <file path=ppt/theme/theme1.xml><?xml version="1.0" encoding="utf-8"?>
-<a:theme xmlns:a="http://schemas.openxmlformats.org/drawingml/2006/main" name="Basis">
+<a:theme xmlns:a="http://schemas.openxmlformats.org/drawingml/2006/main" name="Bázis">
   <a:themeElements>
-    <a:clrScheme name="Blue Green">
+    <a:clrScheme name="7. egyéni séma">
       <a:dk1>
         <a:sysClr val="windowText" lastClr="000000"/>
       </a:dk1>
       <a:lt1>
-        <a:sysClr val="window" lastClr="FFFFFF"/>
+        <a:srgbClr val="D1EEF9"/>
       </a:lt1>
       <a:dk2>
-        <a:srgbClr val="373545"/>
+        <a:srgbClr val="335B74"/>
       </a:dk2>
       <a:lt2>
-        <a:srgbClr val="CEDBE6"/>
+        <a:srgbClr val="D1EEF9"/>
       </a:lt2>
       <a:accent1>
-        <a:srgbClr val="3494BA"/>
+        <a:srgbClr val="0070C0"/>
       </a:accent1>
       <a:accent2>
-        <a:srgbClr val="58B6C0"/>
+        <a:srgbClr val="2683C6"/>
       </a:accent2>
       <a:accent3>
-        <a:srgbClr val="75BDA7"/>
+        <a:srgbClr val="27CED7"/>
       </a:accent3>
       <a:accent4>
-        <a:srgbClr val="7A8C8E"/>
+        <a:srgbClr val="42BA97"/>
       </a:accent4>
       <a:accent5>
-        <a:srgbClr val="84ACB6"/>
+        <a:srgbClr val="3E8853"/>
       </a:accent5>
       <a:accent6>
-        <a:srgbClr val="2683C6"/>
+        <a:srgbClr val="62A39F"/>
       </a:accent6>
       <a:hlink>
-        <a:srgbClr val="6B9F25"/>
+        <a:srgbClr val="6EAC1C"/>
       </a:hlink>
       <a:folHlink>
-        <a:srgbClr val="9F6715"/>
+        <a:srgbClr val="B26B02"/>
       </a:folHlink>
     </a:clrScheme>
-    <a:fontScheme name="Century Gothic">
+    <a:fontScheme name="Bázis">
       <a:majorFont>
-        <a:latin typeface="Century Gothic" panose="020F0302020204030204"/>
+        <a:latin typeface="Corbel" panose="020B0503020204020204"/>
         <a:ea typeface=""/>
         <a:cs typeface=""/>
-        <a:font script="Jpan" typeface="メイリオ"/>
+        <a:font script="Jpan" typeface="ＭＳ ゴシック"/>
         <a:font script="Hang" typeface="맑은 고딕"/>
         <a:font script="Hans" typeface="宋体"/>
         <a:font script="Hant" typeface="新細明體"/>
-        <a:font script="Arab" typeface="Times New Roman"/>
-        <a:font script="Hebr" typeface="Times New Roman"/>
-        <a:font script="Thai" typeface="Angsana New"/>
-        <a:font script="Ethi" typeface="Nyala"/>
-        <a:font script="Beng" typeface="Vrinda"/>
-        <a:font script="Gujr" typeface="Shruti"/>
-        <a:font script="Khmr" typeface="MoolBoran"/>
-        <a:font script="Knda" typeface="Tunga"/>
-        <a:font script="Guru" typeface="Raavi"/>
-        <a:font script="Cans" typeface="Euphemia"/>
-        <a:font script="Cher" typeface="Plantagenet Cherokee"/>
-        <a:font script="Yiii" typeface="Microsoft Yi Baiti"/>
-        <a:font script="Tibt" typeface="Microsoft Himalaya"/>
-        <a:font script="Thaa" typeface="MV Boli"/>
-        <a:font script="Deva" typeface="Mangal"/>
-        <a:font script="Telu" typeface="Gautami"/>
-        <a:font script="Taml" typeface="Latha"/>
-        <a:font script="Syrc" typeface="Estrangelo Edessa"/>
-        <a:font script="Orya" typeface="Kalinga"/>
-        <a:font script="Mlym" typeface="Kartika"/>
-        <a:font script="Laoo" typeface="DokChampa"/>
-        <a:font script="Sinh" typeface="Iskoola Pota"/>
-        <a:font script="Mong" typeface="Mongolian Baiti"/>
-        <a:font script="Viet" typeface="Times New Roman"/>
-        <a:font script="Uigh" typeface="Microsoft Uighur"/>
-        <a:font script="Geor" typeface="Sylfaen"/>
-      </a:majorFont>
-      <a:minorFont>
-        <a:latin typeface="Century Gothic" panose="020F0302020204030204"/>
-        <a:ea typeface=""/>
-        <a:cs typeface=""/>
-        <a:font script="Jpan" typeface="メイリオ"/>
-        <a:font script="Hang" typeface="맑은 고딕"/>
-        <a:font script="Hans" typeface="宋体"/>
-        <a:font script="Hant" typeface="新細明體"/>
-        <a:font script="Arab" typeface="Arial"/>
-        <a:font script="Hebr" typeface="Arial"/>
-        <a:font script="Thai" typeface="Cordia New"/>
+        <a:font script="Arab" typeface="Tahoma"/>
+        <a:font script="Hebr" typeface="Gisha"/>
+        <a:font script="Thai" typeface="DilleniaUPC"/>
         <a:font script="Ethi" typeface="Nyala"/>
         <a:font script="Beng" typeface="Vrinda"/>
         <a:font script="Gujr" typeface="Shruti"/>
@@ -5026,19 +7349,54 @@
         <a:font script="Laoo" typeface="DokChampa"/>
         <a:font script="Sinh" typeface="Iskoola Pota"/>
         <a:font script="Mong" typeface="Mongolian Baiti"/>
-        <a:font script="Viet" typeface="Arial"/>
+        <a:font script="Viet" typeface="Tahoma"/>
+        <a:font script="Uigh" typeface="Microsoft Uighur"/>
+        <a:font script="Geor" typeface="Sylfaen"/>
+      </a:majorFont>
+      <a:minorFont>
+        <a:latin typeface="Corbel" panose="020B0503020204020204"/>
+        <a:ea typeface=""/>
+        <a:cs typeface=""/>
+        <a:font script="Jpan" typeface="ＭＳ ゴシック"/>
+        <a:font script="Hang" typeface="맑은 고딕"/>
+        <a:font script="Hans" typeface="宋体"/>
+        <a:font script="Hant" typeface="新細明體"/>
+        <a:font script="Arab" typeface="Tahoma"/>
+        <a:font script="Hebr" typeface="Gisha"/>
+        <a:font script="Thai" typeface="DilleniaUPC"/>
+        <a:font script="Ethi" typeface="Nyala"/>
+        <a:font script="Beng" typeface="Vrinda"/>
+        <a:font script="Gujr" typeface="Shruti"/>
+        <a:font script="Khmr" typeface="DaunPenh"/>
+        <a:font script="Knda" typeface="Tunga"/>
+        <a:font script="Guru" typeface="Raavi"/>
+        <a:font script="Cans" typeface="Euphemia"/>
+        <a:font script="Cher" typeface="Plantagenet Cherokee"/>
+        <a:font script="Yiii" typeface="Microsoft Yi Baiti"/>
+        <a:font script="Tibt" typeface="Microsoft Himalaya"/>
+        <a:font script="Thaa" typeface="MV Boli"/>
+        <a:font script="Deva" typeface="Mangal"/>
+        <a:font script="Telu" typeface="Gautami"/>
+        <a:font script="Taml" typeface="Latha"/>
+        <a:font script="Syrc" typeface="Estrangelo Edessa"/>
+        <a:font script="Orya" typeface="Kalinga"/>
+        <a:font script="Mlym" typeface="Kartika"/>
+        <a:font script="Laoo" typeface="DokChampa"/>
+        <a:font script="Sinh" typeface="Iskoola Pota"/>
+        <a:font script="Mong" typeface="Mongolian Baiti"/>
+        <a:font script="Viet" typeface="Verdana"/>
         <a:font script="Uigh" typeface="Microsoft Uighur"/>
         <a:font script="Geor" typeface="Sylfaen"/>
       </a:minorFont>
     </a:fontScheme>
-    <a:fmtScheme name="Basis">
+    <a:fmtScheme name="Bázis">
       <a:fillStyleLst>
         <a:solidFill>
           <a:schemeClr val="phClr"/>
         </a:solidFill>
         <a:solidFill>
           <a:schemeClr val="phClr">
-            <a:tint val="63000"/>
+            <a:tint val="55000"/>
             <a:satMod val="130000"/>
           </a:schemeClr>
         </a:solidFill>
@@ -5149,7 +7507,7 @@
   <a:extraClrSchemeLst/>
   <a:extLst>
     <a:ext uri="{05A4C25C-085E-4340-85A3-A5531E510DB2}">
-      <thm15:themeFamily xmlns:thm15="http://schemas.microsoft.com/office/thememl/2012/main" name="Basis" id="{5665723A-49BA-4B57-8411-A56F8F207965}" vid="{446C221D-F63F-4DD8-B509-CFE168687BF2}"/>
+      <thm15:themeFamily xmlns:thm15="http://schemas.microsoft.com/office/thememl/2012/main" name="Basis" id="{5665723A-49BA-4B57-8411-A56F8F207965}" vid="{D9D01AC2-EE7D-4E49-99EE-8E62E4E7E8A7}"/>
     </a:ext>
   </a:extLst>
 </a:theme>
